--- a/Calendario2023/Presentaciones/3_ModeloOSI_R.pptx
+++ b/Calendario2023/Presentaciones/3_ModeloOSI_R.pptx
@@ -5,7 +5,7 @@
     <p:sldMasterId id="2147483648" r:id="rId1"/>
   </p:sldMasterIdLst>
   <p:notesMasterIdLst>
-    <p:notesMasterId r:id="rId33"/>
+    <p:notesMasterId r:id="rId32"/>
   </p:notesMasterIdLst>
   <p:sldIdLst>
     <p:sldId id="257" r:id="rId2"/>
@@ -36,9 +36,8 @@
     <p:sldId id="808" r:id="rId27"/>
     <p:sldId id="810" r:id="rId28"/>
     <p:sldId id="805" r:id="rId29"/>
-    <p:sldId id="807" r:id="rId30"/>
-    <p:sldId id="806" r:id="rId31"/>
-    <p:sldId id="816" r:id="rId32"/>
+    <p:sldId id="806" r:id="rId30"/>
+    <p:sldId id="816" r:id="rId31"/>
   </p:sldIdLst>
   <p:sldSz cx="9144000" cy="6858000" type="screen4x3"/>
   <p:notesSz cx="6858000" cy="9144000"/>
@@ -238,7 +237,7 @@
           <a:p>
             <a:fld id="{2D445F07-8756-451B-A938-0248325FC7BB}" type="datetimeFigureOut">
               <a:rPr lang="es-MX" smtClean="0"/>
-              <a:t>14/05/2023</a:t>
+              <a:t>15/05/2023</a:t>
             </a:fld>
             <a:endParaRPr lang="es-MX" dirty="0"/>
           </a:p>
@@ -1152,7 +1151,7 @@
             <a:fld id="{04267211-205D-47E8-9F29-7E4C01D43DC3}" type="slidenum">
               <a:rPr lang="en-US" altLang="en-US" sz="800" smtClean="0"/>
               <a:pPr/>
-              <a:t>31</a:t>
+              <a:t>30</a:t>
             </a:fld>
             <a:endParaRPr lang="es-ES" altLang="en-US" sz="800" dirty="0"/>
           </a:p>
@@ -2964,7 +2963,7 @@
           <a:p>
             <a:fld id="{5E75A0DC-66C6-4CEC-A5EB-F8C97CEC3796}" type="datetimeFigureOut">
               <a:rPr lang="es-MX" smtClean="0"/>
-              <a:t>14/05/2023</a:t>
+              <a:t>15/05/2023</a:t>
             </a:fld>
             <a:endParaRPr lang="es-MX" dirty="0"/>
           </a:p>
@@ -3134,7 +3133,7 @@
           <a:p>
             <a:fld id="{5E75A0DC-66C6-4CEC-A5EB-F8C97CEC3796}" type="datetimeFigureOut">
               <a:rPr lang="es-MX" smtClean="0"/>
-              <a:t>14/05/2023</a:t>
+              <a:t>15/05/2023</a:t>
             </a:fld>
             <a:endParaRPr lang="es-MX" dirty="0"/>
           </a:p>
@@ -3314,7 +3313,7 @@
           <a:p>
             <a:fld id="{5E75A0DC-66C6-4CEC-A5EB-F8C97CEC3796}" type="datetimeFigureOut">
               <a:rPr lang="es-MX" smtClean="0"/>
-              <a:t>14/05/2023</a:t>
+              <a:t>15/05/2023</a:t>
             </a:fld>
             <a:endParaRPr lang="es-MX" dirty="0"/>
           </a:p>
@@ -3789,7 +3788,7 @@
           <a:p>
             <a:fld id="{5E75A0DC-66C6-4CEC-A5EB-F8C97CEC3796}" type="datetimeFigureOut">
               <a:rPr lang="es-MX" smtClean="0"/>
-              <a:t>14/05/2023</a:t>
+              <a:t>15/05/2023</a:t>
             </a:fld>
             <a:endParaRPr lang="es-MX" dirty="0"/>
           </a:p>
@@ -4035,7 +4034,7 @@
           <a:p>
             <a:fld id="{5E75A0DC-66C6-4CEC-A5EB-F8C97CEC3796}" type="datetimeFigureOut">
               <a:rPr lang="es-MX" smtClean="0"/>
-              <a:t>14/05/2023</a:t>
+              <a:t>15/05/2023</a:t>
             </a:fld>
             <a:endParaRPr lang="es-MX" dirty="0"/>
           </a:p>
@@ -4323,7 +4322,7 @@
           <a:p>
             <a:fld id="{5E75A0DC-66C6-4CEC-A5EB-F8C97CEC3796}" type="datetimeFigureOut">
               <a:rPr lang="es-MX" smtClean="0"/>
-              <a:t>14/05/2023</a:t>
+              <a:t>15/05/2023</a:t>
             </a:fld>
             <a:endParaRPr lang="es-MX" dirty="0"/>
           </a:p>
@@ -4745,7 +4744,7 @@
           <a:p>
             <a:fld id="{5E75A0DC-66C6-4CEC-A5EB-F8C97CEC3796}" type="datetimeFigureOut">
               <a:rPr lang="es-MX" smtClean="0"/>
-              <a:t>14/05/2023</a:t>
+              <a:t>15/05/2023</a:t>
             </a:fld>
             <a:endParaRPr lang="es-MX" dirty="0"/>
           </a:p>
@@ -4863,7 +4862,7 @@
           <a:p>
             <a:fld id="{5E75A0DC-66C6-4CEC-A5EB-F8C97CEC3796}" type="datetimeFigureOut">
               <a:rPr lang="es-MX" smtClean="0"/>
-              <a:t>14/05/2023</a:t>
+              <a:t>15/05/2023</a:t>
             </a:fld>
             <a:endParaRPr lang="es-MX" dirty="0"/>
           </a:p>
@@ -4958,7 +4957,7 @@
           <a:p>
             <a:fld id="{5E75A0DC-66C6-4CEC-A5EB-F8C97CEC3796}" type="datetimeFigureOut">
               <a:rPr lang="es-MX" smtClean="0"/>
-              <a:t>14/05/2023</a:t>
+              <a:t>15/05/2023</a:t>
             </a:fld>
             <a:endParaRPr lang="es-MX" dirty="0"/>
           </a:p>
@@ -5235,7 +5234,7 @@
           <a:p>
             <a:fld id="{5E75A0DC-66C6-4CEC-A5EB-F8C97CEC3796}" type="datetimeFigureOut">
               <a:rPr lang="es-MX" smtClean="0"/>
-              <a:t>14/05/2023</a:t>
+              <a:t>15/05/2023</a:t>
             </a:fld>
             <a:endParaRPr lang="es-MX" dirty="0"/>
           </a:p>
@@ -5488,7 +5487,7 @@
           <a:p>
             <a:fld id="{5E75A0DC-66C6-4CEC-A5EB-F8C97CEC3796}" type="datetimeFigureOut">
               <a:rPr lang="es-MX" smtClean="0"/>
-              <a:t>14/05/2023</a:t>
+              <a:t>15/05/2023</a:t>
             </a:fld>
             <a:endParaRPr lang="es-MX" dirty="0"/>
           </a:p>
@@ -5701,7 +5700,7 @@
           <a:p>
             <a:fld id="{5E75A0DC-66C6-4CEC-A5EB-F8C97CEC3796}" type="datetimeFigureOut">
               <a:rPr lang="es-MX" smtClean="0"/>
-              <a:t>14/05/2023</a:t>
+              <a:t>15/05/2023</a:t>
             </a:fld>
             <a:endParaRPr lang="es-MX" dirty="0"/>
           </a:p>
@@ -9723,7 +9722,7 @@
         </p:nvSpPr>
         <p:spPr>
           <a:xfrm>
-            <a:off x="2694127" y="5170747"/>
+            <a:off x="2683933" y="5316568"/>
             <a:ext cx="4460754" cy="877468"/>
           </a:xfrm>
           <a:prstGeom prst="rect">
@@ -10209,17 +10208,6 @@
               <a:buChar char="•"/>
             </a:pPr>
             <a:r>
-              <a:rPr lang="es-MX" sz="1900" b="1" dirty="0">
-                <a:solidFill>
-                  <a:schemeClr val="accent6">
-                    <a:lumMod val="75000"/>
-                  </a:schemeClr>
-                </a:solidFill>
-                <a:latin typeface="ZapfHumnst BT"/>
-              </a:rPr>
-              <a:t>Representación común </a:t>
-            </a:r>
-            <a:r>
               <a:rPr lang="es-MX" sz="1900" dirty="0">
                 <a:solidFill>
                   <a:schemeClr val="bg2">
@@ -10228,7 +10216,7 @@
                 </a:solidFill>
                 <a:latin typeface="ZapfHumnst BT"/>
               </a:rPr>
-              <a:t>de los datos. Garantiza que los datos sean legibles por el sistema receptor.</a:t>
+              <a:t>Garantiza que los datos sean legibles por el sistema receptor.</a:t>
             </a:r>
           </a:p>
           <a:p>
@@ -10318,192 +10306,6 @@
                 <a:latin typeface="ZapfHumnst BT"/>
               </a:rPr>
               <a:t>de los datos.</a:t>
-            </a:r>
-          </a:p>
-        </p:txBody>
-      </p:sp>
-      <p:sp>
-        <p:nvSpPr>
-          <p:cNvPr id="6" name="Text Box 4"/>
-          <p:cNvSpPr txBox="1">
-            <a:spLocks noChangeArrowheads="1"/>
-          </p:cNvSpPr>
-          <p:nvPr/>
-        </p:nvSpPr>
-        <p:spPr bwMode="auto">
-          <a:xfrm>
-            <a:off x="2339752" y="4734588"/>
-            <a:ext cx="6408712" cy="1214692"/>
-          </a:xfrm>
-          <a:prstGeom prst="rect">
-            <a:avLst/>
-          </a:prstGeom>
-          <a:noFill/>
-          <a:ln>
-            <a:noFill/>
-          </a:ln>
-          <a:extLst>
-            <a:ext uri="{909E8E84-426E-40DD-AFC4-6F175D3DCCD1}">
-              <a14:hiddenFill xmlns:a14="http://schemas.microsoft.com/office/drawing/2010/main">
-                <a:solidFill>
-                  <a:srgbClr val="FFFFFF"/>
-                </a:solidFill>
-              </a14:hiddenFill>
-            </a:ext>
-            <a:ext uri="{91240B29-F687-4F45-9708-019B960494DF}">
-              <a14:hiddenLine xmlns:a14="http://schemas.microsoft.com/office/drawing/2010/main" w="9525">
-                <a:solidFill>
-                  <a:srgbClr val="000000"/>
-                </a:solidFill>
-                <a:miter lim="800000"/>
-                <a:headEnd/>
-                <a:tailEnd/>
-              </a14:hiddenLine>
-            </a:ext>
-          </a:extLst>
-        </p:spPr>
-        <p:txBody>
-          <a:bodyPr wrap="square">
-            <a:spAutoFit/>
-          </a:bodyPr>
-          <a:lstStyle>
-            <a:lvl1pPr>
-              <a:defRPr sz="2400">
-                <a:solidFill>
-                  <a:schemeClr val="tx1"/>
-                </a:solidFill>
-                <a:latin typeface="Times New Roman" pitchFamily="18" charset="0"/>
-              </a:defRPr>
-            </a:lvl1pPr>
-            <a:lvl2pPr marL="742950" indent="-285750">
-              <a:defRPr sz="2400">
-                <a:solidFill>
-                  <a:schemeClr val="tx1"/>
-                </a:solidFill>
-                <a:latin typeface="Times New Roman" pitchFamily="18" charset="0"/>
-              </a:defRPr>
-            </a:lvl2pPr>
-            <a:lvl3pPr marL="1143000" indent="-228600">
-              <a:defRPr sz="2400">
-                <a:solidFill>
-                  <a:schemeClr val="tx1"/>
-                </a:solidFill>
-                <a:latin typeface="Times New Roman" pitchFamily="18" charset="0"/>
-              </a:defRPr>
-            </a:lvl3pPr>
-            <a:lvl4pPr marL="1600200" indent="-228600">
-              <a:defRPr sz="2400">
-                <a:solidFill>
-                  <a:schemeClr val="tx1"/>
-                </a:solidFill>
-                <a:latin typeface="Times New Roman" pitchFamily="18" charset="0"/>
-              </a:defRPr>
-            </a:lvl4pPr>
-            <a:lvl5pPr marL="2057400" indent="-228600">
-              <a:defRPr sz="2400">
-                <a:solidFill>
-                  <a:schemeClr val="tx1"/>
-                </a:solidFill>
-                <a:latin typeface="Times New Roman" pitchFamily="18" charset="0"/>
-              </a:defRPr>
-            </a:lvl5pPr>
-            <a:lvl6pPr marL="2514600" indent="-228600" eaLnBrk="0" fontAlgn="base" hangingPunct="0">
-              <a:spcBef>
-                <a:spcPct val="0"/>
-              </a:spcBef>
-              <a:spcAft>
-                <a:spcPct val="0"/>
-              </a:spcAft>
-              <a:defRPr sz="2400">
-                <a:solidFill>
-                  <a:schemeClr val="tx1"/>
-                </a:solidFill>
-                <a:latin typeface="Times New Roman" pitchFamily="18" charset="0"/>
-              </a:defRPr>
-            </a:lvl6pPr>
-            <a:lvl7pPr marL="2971800" indent="-228600" eaLnBrk="0" fontAlgn="base" hangingPunct="0">
-              <a:spcBef>
-                <a:spcPct val="0"/>
-              </a:spcBef>
-              <a:spcAft>
-                <a:spcPct val="0"/>
-              </a:spcAft>
-              <a:defRPr sz="2400">
-                <a:solidFill>
-                  <a:schemeClr val="tx1"/>
-                </a:solidFill>
-                <a:latin typeface="Times New Roman" pitchFamily="18" charset="0"/>
-              </a:defRPr>
-            </a:lvl7pPr>
-            <a:lvl8pPr marL="3429000" indent="-228600" eaLnBrk="0" fontAlgn="base" hangingPunct="0">
-              <a:spcBef>
-                <a:spcPct val="0"/>
-              </a:spcBef>
-              <a:spcAft>
-                <a:spcPct val="0"/>
-              </a:spcAft>
-              <a:defRPr sz="2400">
-                <a:solidFill>
-                  <a:schemeClr val="tx1"/>
-                </a:solidFill>
-                <a:latin typeface="Times New Roman" pitchFamily="18" charset="0"/>
-              </a:defRPr>
-            </a:lvl8pPr>
-            <a:lvl9pPr marL="3886200" indent="-228600" eaLnBrk="0" fontAlgn="base" hangingPunct="0">
-              <a:spcBef>
-                <a:spcPct val="0"/>
-              </a:spcBef>
-              <a:spcAft>
-                <a:spcPct val="0"/>
-              </a:spcAft>
-              <a:defRPr sz="2400">
-                <a:solidFill>
-                  <a:schemeClr val="tx1"/>
-                </a:solidFill>
-                <a:latin typeface="Times New Roman" pitchFamily="18" charset="0"/>
-              </a:defRPr>
-            </a:lvl9pPr>
-          </a:lstStyle>
-          <a:p>
-            <a:pPr marL="285750" indent="-285750" algn="just">
-              <a:lnSpc>
-                <a:spcPts val="3000"/>
-              </a:lnSpc>
-              <a:buFont typeface="Arial" panose="020B0604020202020204" pitchFamily="34" charset="0"/>
-              <a:buChar char="•"/>
-            </a:pPr>
-            <a:r>
-              <a:rPr lang="es-MX" sz="1900" dirty="0">
-                <a:solidFill>
-                  <a:schemeClr val="bg2">
-                    <a:lumMod val="25000"/>
-                  </a:schemeClr>
-                </a:solidFill>
-                <a:latin typeface="ZapfHumnst BT"/>
-              </a:rPr>
-              <a:t>Define la </a:t>
-            </a:r>
-            <a:r>
-              <a:rPr lang="es-MX" sz="1900" b="1" dirty="0">
-                <a:solidFill>
-                  <a:schemeClr val="accent6">
-                    <a:lumMod val="75000"/>
-                  </a:schemeClr>
-                </a:solidFill>
-                <a:latin typeface="ZapfHumnst BT"/>
-              </a:rPr>
-              <a:t>sintaxis</a:t>
-            </a:r>
-            <a:r>
-              <a:rPr lang="es-MX" sz="1900" dirty="0">
-                <a:solidFill>
-                  <a:schemeClr val="bg2">
-                    <a:lumMod val="25000"/>
-                  </a:schemeClr>
-                </a:solidFill>
-                <a:latin typeface="ZapfHumnst BT"/>
-              </a:rPr>
-              <a:t> utilizada por las aplicaciones y proporciona los medios para seleccionar y modificar la representación utilizada.</a:t>
             </a:r>
           </a:p>
         </p:txBody>
@@ -10901,59 +10703,6 @@
                       </p:childTnLst>
                     </p:cTn>
                   </p:par>
-                  <p:par>
-                    <p:cTn id="13" fill="hold">
-                      <p:stCondLst>
-                        <p:cond delay="indefinite"/>
-                      </p:stCondLst>
-                      <p:childTnLst>
-                        <p:par>
-                          <p:cTn id="14" fill="hold">
-                            <p:stCondLst>
-                              <p:cond delay="0"/>
-                            </p:stCondLst>
-                            <p:childTnLst>
-                              <p:par>
-                                <p:cTn id="15" presetID="4" presetClass="entr" presetSubtype="16" fill="hold" grpId="0" nodeType="clickEffect">
-                                  <p:stCondLst>
-                                    <p:cond delay="0"/>
-                                  </p:stCondLst>
-                                  <p:childTnLst>
-                                    <p:set>
-                                      <p:cBhvr>
-                                        <p:cTn id="16" dur="1" fill="hold">
-                                          <p:stCondLst>
-                                            <p:cond delay="0"/>
-                                          </p:stCondLst>
-                                        </p:cTn>
-                                        <p:tgtEl>
-                                          <p:spTgt spid="6"/>
-                                        </p:tgtEl>
-                                        <p:attrNameLst>
-                                          <p:attrName>style.visibility</p:attrName>
-                                        </p:attrNameLst>
-                                      </p:cBhvr>
-                                      <p:to>
-                                        <p:strVal val="visible"/>
-                                      </p:to>
-                                    </p:set>
-                                    <p:animEffect transition="in" filter="box(in)">
-                                      <p:cBhvr>
-                                        <p:cTn id="17" dur="2000"/>
-                                        <p:tgtEl>
-                                          <p:spTgt spid="6"/>
-                                        </p:tgtEl>
-                                      </p:cBhvr>
-                                    </p:animEffect>
-                                  </p:childTnLst>
-                                </p:cTn>
-                              </p:par>
-                            </p:childTnLst>
-                          </p:cTn>
-                        </p:par>
-                      </p:childTnLst>
-                    </p:cTn>
-                  </p:par>
                 </p:childTnLst>
               </p:cTn>
               <p:prevCondLst>
@@ -10977,7 +10726,6 @@
     </p:tnLst>
     <p:bldLst>
       <p:bldP spid="8196" grpId="0"/>
-      <p:bldP spid="6" grpId="0"/>
       <p:bldP spid="9" grpId="0"/>
     </p:bldLst>
   </p:timing>
@@ -11011,7 +10759,7 @@
         </p:nvSpPr>
         <p:spPr bwMode="auto">
           <a:xfrm>
-            <a:off x="2771800" y="1988840"/>
+            <a:off x="2644723" y="1973784"/>
             <a:ext cx="3168352" cy="477054"/>
           </a:xfrm>
           <a:prstGeom prst="rect">
@@ -11185,8 +10933,8 @@
         </p:nvSpPr>
         <p:spPr bwMode="auto">
           <a:xfrm>
-            <a:off x="2495957" y="2539881"/>
-            <a:ext cx="6396523" cy="3247043"/>
+            <a:off x="2423949" y="2486213"/>
+            <a:ext cx="6396523" cy="2673168"/>
           </a:xfrm>
           <a:prstGeom prst="rect">
             <a:avLst/>
@@ -11417,29 +11165,6 @@
                 <a:latin typeface="ZapfHumnst BT"/>
               </a:rPr>
               <a:t>Usa algoritmos para reducir el tamaño de los archivos.</a:t>
-            </a:r>
-          </a:p>
-          <a:p>
-            <a:pPr marL="285750" indent="-285750" algn="just">
-              <a:lnSpc>
-                <a:spcPts val="3000"/>
-              </a:lnSpc>
-              <a:spcBef>
-                <a:spcPts val="1200"/>
-              </a:spcBef>
-              <a:buFont typeface="Arial" panose="020B0604020202020204" pitchFamily="34" charset="0"/>
-              <a:buChar char="•"/>
-            </a:pPr>
-            <a:r>
-              <a:rPr lang="es-MX" sz="1800" dirty="0">
-                <a:solidFill>
-                  <a:schemeClr val="bg2">
-                    <a:lumMod val="25000"/>
-                  </a:schemeClr>
-                </a:solidFill>
-                <a:latin typeface="ZapfHumnst BT"/>
-              </a:rPr>
-              <a:t>Define la estructura de datos a transmitir.</a:t>
             </a:r>
           </a:p>
         </p:txBody>
@@ -14328,7 +14053,7 @@
         <p:spPr bwMode="auto">
           <a:xfrm>
             <a:off x="2857500" y="1857375"/>
-            <a:ext cx="5429250" cy="2308324"/>
+            <a:ext cx="5429250" cy="1122743"/>
           </a:xfrm>
           <a:prstGeom prst="rect">
             <a:avLst/>
@@ -14483,24 +14208,7 @@
               <a:rPr lang="es-MX" sz="1800" dirty="0">
                 <a:latin typeface="ZapfHumnst BT"/>
               </a:rPr>
-              <a:t> el modelo abierto de interconexión de redes, </a:t>
-            </a:r>
-            <a:r>
-              <a:rPr lang="es-MX" sz="1800" b="1" u="sng" dirty="0">
-                <a:solidFill>
-                  <a:schemeClr val="accent6">
-                    <a:lumMod val="75000"/>
-                  </a:schemeClr>
-                </a:solidFill>
-                <a:latin typeface="ZapfHumnst BT"/>
-              </a:rPr>
-              <a:t>analizar</a:t>
-            </a:r>
-            <a:r>
-              <a:rPr lang="es-MX" sz="1800" dirty="0">
-                <a:latin typeface="ZapfHumnst BT"/>
-              </a:rPr>
-              <a:t> los beneficios de definir un modelo de interconexión y </a:t>
+              <a:t> el modelo abierto de interconexión de redes y </a:t>
             </a:r>
             <a:r>
               <a:rPr lang="es-MX" sz="1800" b="1" u="sng" dirty="0">
@@ -20570,8 +20278,8 @@
         </p:nvSpPr>
         <p:spPr bwMode="auto">
           <a:xfrm>
-            <a:off x="525199" y="1825036"/>
-            <a:ext cx="8151257" cy="1214692"/>
+            <a:off x="532731" y="1920619"/>
+            <a:ext cx="8223265" cy="1214692"/>
           </a:xfrm>
           <a:prstGeom prst="rect">
             <a:avLst/>
@@ -20761,10 +20469,10 @@
                 </a:solidFill>
                 <a:latin typeface="+mn-lt"/>
               </a:rPr>
-              <a:t>Bridges</a:t>
-            </a:r>
-            <a:r>
-              <a:rPr lang="es-MX" sz="1900" b="1" dirty="0">
+              <a:t>Switches</a:t>
+            </a:r>
+            <a:r>
+              <a:rPr lang="es-MX" sz="1900" dirty="0">
                 <a:solidFill>
                   <a:schemeClr val="bg2">
                     <a:lumMod val="25000"/>
@@ -20772,7 +20480,18 @@
                 </a:solidFill>
                 <a:latin typeface="+mn-lt"/>
               </a:rPr>
-              <a:t> </a:t>
+              <a:t>, </a:t>
+            </a:r>
+            <a:r>
+              <a:rPr lang="es-MX" sz="1900" b="1" dirty="0">
+                <a:solidFill>
+                  <a:schemeClr val="accent6">
+                    <a:lumMod val="75000"/>
+                  </a:schemeClr>
+                </a:solidFill>
+                <a:latin typeface="+mn-lt"/>
+              </a:rPr>
+              <a:t>NIC </a:t>
             </a:r>
             <a:r>
               <a:rPr lang="es-MX" sz="1900" dirty="0">
@@ -20783,51 +20502,7 @@
                 </a:solidFill>
                 <a:latin typeface="+mn-lt"/>
               </a:rPr>
-              <a:t>(Puentes), </a:t>
-            </a:r>
-            <a:r>
-              <a:rPr lang="es-MX" sz="1900" b="1" dirty="0">
-                <a:solidFill>
-                  <a:schemeClr val="accent6">
-                    <a:lumMod val="75000"/>
-                  </a:schemeClr>
-                </a:solidFill>
-                <a:latin typeface="+mn-lt"/>
-              </a:rPr>
-              <a:t>Switches</a:t>
-            </a:r>
-            <a:r>
-              <a:rPr lang="es-MX" sz="1900" dirty="0">
-                <a:solidFill>
-                  <a:schemeClr val="bg2">
-                    <a:lumMod val="25000"/>
-                  </a:schemeClr>
-                </a:solidFill>
-                <a:latin typeface="+mn-lt"/>
-              </a:rPr>
-              <a:t>, </a:t>
-            </a:r>
-            <a:r>
-              <a:rPr lang="es-MX" sz="1900" b="1" dirty="0">
-                <a:solidFill>
-                  <a:schemeClr val="accent6">
-                    <a:lumMod val="75000"/>
-                  </a:schemeClr>
-                </a:solidFill>
-                <a:latin typeface="+mn-lt"/>
-              </a:rPr>
-              <a:t>NIC </a:t>
-            </a:r>
-            <a:r>
-              <a:rPr lang="es-MX" sz="1900" dirty="0">
-                <a:solidFill>
-                  <a:schemeClr val="bg2">
-                    <a:lumMod val="25000"/>
-                  </a:schemeClr>
-                </a:solidFill>
-                <a:latin typeface="+mn-lt"/>
-              </a:rPr>
-              <a:t>y </a:t>
+              <a:t>(Tarjeta de red) y </a:t>
             </a:r>
             <a:r>
               <a:rPr lang="es-MX" sz="1900" b="1" dirty="0">
@@ -21244,7 +20919,7 @@
         </p:nvSpPr>
         <p:spPr>
           <a:xfrm>
-            <a:off x="929554" y="3671661"/>
+            <a:off x="1011555" y="3845612"/>
             <a:ext cx="2351117" cy="1034057"/>
           </a:xfrm>
           <a:prstGeom prst="rect">
@@ -21373,7 +21048,7 @@
         </p:nvSpPr>
         <p:spPr>
           <a:xfrm>
-            <a:off x="1187624" y="3152001"/>
+            <a:off x="1187623" y="3370212"/>
             <a:ext cx="1998980" cy="276999"/>
           </a:xfrm>
           <a:prstGeom prst="rect">
@@ -21489,74 +21164,39 @@
               </a:tabLst>
             </a:pPr>
             <a:r>
-              <a:rPr b="1" spc="-35" dirty="0">
+              <a:rPr b="1" spc="-35" dirty="0" err="1">
                 <a:latin typeface="Calibri"/>
                 <a:cs typeface="Calibri"/>
               </a:rPr>
               <a:t>S</a:t>
             </a:r>
             <a:r>
-              <a:rPr b="1" spc="-20" dirty="0">
+              <a:rPr b="1" spc="-20" dirty="0" err="1">
                 <a:latin typeface="Calibri"/>
                 <a:cs typeface="Calibri"/>
               </a:rPr>
               <a:t>wi</a:t>
             </a:r>
             <a:r>
-              <a:rPr b="1" spc="-55" dirty="0">
+              <a:rPr b="1" spc="-55" dirty="0" err="1">
                 <a:latin typeface="Calibri"/>
                 <a:cs typeface="Calibri"/>
               </a:rPr>
               <a:t>t</a:t>
             </a:r>
             <a:r>
-              <a:rPr b="1" spc="-5" dirty="0">
+              <a:rPr b="1" spc="-5" dirty="0" err="1">
                 <a:latin typeface="Calibri"/>
                 <a:cs typeface="Calibri"/>
               </a:rPr>
               <a:t>c</a:t>
             </a:r>
             <a:r>
-              <a:rPr b="1" dirty="0">
+              <a:rPr lang="es-ES" b="1" spc="-5" dirty="0">
                 <a:latin typeface="Calibri"/>
                 <a:cs typeface="Calibri"/>
               </a:rPr>
               <a:t>h</a:t>
-            </a:r>
-            <a:r>
-              <a:rPr lang="es-ES" b="1" dirty="0">
-                <a:latin typeface="Calibri"/>
-                <a:cs typeface="Calibri"/>
-              </a:rPr>
-              <a:t> / B</a:t>
-            </a:r>
-            <a:r>
-              <a:rPr b="1" spc="-10" dirty="0">
-                <a:latin typeface="Calibri"/>
-                <a:cs typeface="Calibri"/>
-              </a:rPr>
-              <a:t>ri</a:t>
-            </a:r>
-            <a:r>
-              <a:rPr b="1" spc="-30" dirty="0">
-                <a:latin typeface="Calibri"/>
-                <a:cs typeface="Calibri"/>
-              </a:rPr>
-              <a:t>d</a:t>
-            </a:r>
-            <a:r>
-              <a:rPr b="1" spc="-25" dirty="0">
-                <a:latin typeface="Calibri"/>
-                <a:cs typeface="Calibri"/>
-              </a:rPr>
-              <a:t>g</a:t>
-            </a:r>
-            <a:r>
-              <a:rPr b="1" spc="-15" dirty="0">
-                <a:latin typeface="Calibri"/>
-                <a:cs typeface="Calibri"/>
-              </a:rPr>
-              <a:t>e</a:t>
             </a:r>
             <a:endParaRPr dirty="0">
               <a:latin typeface="Calibri"/>
@@ -21579,7 +21219,7 @@
         </p:nvSpPr>
         <p:spPr>
           <a:xfrm>
-            <a:off x="5436096" y="2868141"/>
+            <a:off x="5388489" y="3030280"/>
             <a:ext cx="2205159" cy="2324861"/>
           </a:xfrm>
           <a:prstGeom prst="rect">
@@ -21708,7 +21348,7 @@
         </p:nvSpPr>
         <p:spPr>
           <a:xfrm>
-            <a:off x="4762877" y="4705718"/>
+            <a:off x="4762876" y="4842666"/>
             <a:ext cx="3456384" cy="1671539"/>
           </a:xfrm>
           <a:prstGeom prst="rect">
@@ -21837,7 +21477,7 @@
         </p:nvSpPr>
         <p:spPr>
           <a:xfrm>
-            <a:off x="5491579" y="3143362"/>
+            <a:off x="5491578" y="3304170"/>
             <a:ext cx="1998980" cy="276999"/>
           </a:xfrm>
           <a:prstGeom prst="rect">
@@ -23061,1852 +22701,6 @@
           <a:chExt cx="0" cy="0"/>
         </a:xfrm>
       </p:grpSpPr>
-      <p:pic>
-        <p:nvPicPr>
-          <p:cNvPr id="7" name="Imagen 6"/>
-          <p:cNvPicPr>
-            <a:picLocks noChangeAspect="1"/>
-          </p:cNvPicPr>
-          <p:nvPr/>
-        </p:nvPicPr>
-        <p:blipFill>
-          <a:blip r:embed="rId2">
-            <a:extLst>
-              <a:ext uri="{28A0092B-C50C-407E-A947-70E740481C1C}">
-                <a14:useLocalDpi xmlns:a14="http://schemas.microsoft.com/office/drawing/2010/main" val="0"/>
-              </a:ext>
-            </a:extLst>
-          </a:blip>
-          <a:stretch>
-            <a:fillRect/>
-          </a:stretch>
-        </p:blipFill>
-        <p:spPr>
-          <a:xfrm>
-            <a:off x="5436096" y="2924944"/>
-            <a:ext cx="2214311" cy="3118748"/>
-          </a:xfrm>
-          <a:prstGeom prst="rect">
-            <a:avLst/>
-          </a:prstGeom>
-        </p:spPr>
-      </p:pic>
-      <p:sp>
-        <p:nvSpPr>
-          <p:cNvPr id="13316" name="Text Box 3"/>
-          <p:cNvSpPr txBox="1">
-            <a:spLocks noChangeArrowheads="1"/>
-          </p:cNvSpPr>
-          <p:nvPr/>
-        </p:nvSpPr>
-        <p:spPr bwMode="auto">
-          <a:xfrm>
-            <a:off x="639209" y="1870807"/>
-            <a:ext cx="7963224" cy="785087"/>
-          </a:xfrm>
-          <a:prstGeom prst="rect">
-            <a:avLst/>
-          </a:prstGeom>
-          <a:noFill/>
-          <a:ln>
-            <a:noFill/>
-          </a:ln>
-          <a:extLst>
-            <a:ext uri="{909E8E84-426E-40DD-AFC4-6F175D3DCCD1}">
-              <a14:hiddenFill xmlns:a14="http://schemas.microsoft.com/office/drawing/2010/main">
-                <a:solidFill>
-                  <a:srgbClr val="FFFFFF"/>
-                </a:solidFill>
-              </a14:hiddenFill>
-            </a:ext>
-            <a:ext uri="{91240B29-F687-4F45-9708-019B960494DF}">
-              <a14:hiddenLine xmlns:a14="http://schemas.microsoft.com/office/drawing/2010/main" w="9525">
-                <a:solidFill>
-                  <a:srgbClr val="000000"/>
-                </a:solidFill>
-                <a:miter lim="800000"/>
-                <a:headEnd/>
-                <a:tailEnd/>
-              </a14:hiddenLine>
-            </a:ext>
-          </a:extLst>
-        </p:spPr>
-        <p:txBody>
-          <a:bodyPr wrap="square">
-            <a:spAutoFit/>
-          </a:bodyPr>
-          <a:lstStyle>
-            <a:lvl1pPr>
-              <a:defRPr sz="2400">
-                <a:solidFill>
-                  <a:schemeClr val="tx1"/>
-                </a:solidFill>
-                <a:latin typeface="Times New Roman" pitchFamily="18" charset="0"/>
-              </a:defRPr>
-            </a:lvl1pPr>
-            <a:lvl2pPr marL="742950" indent="-285750">
-              <a:defRPr sz="2400">
-                <a:solidFill>
-                  <a:schemeClr val="tx1"/>
-                </a:solidFill>
-                <a:latin typeface="Times New Roman" pitchFamily="18" charset="0"/>
-              </a:defRPr>
-            </a:lvl2pPr>
-            <a:lvl3pPr marL="1143000" indent="-228600">
-              <a:defRPr sz="2400">
-                <a:solidFill>
-                  <a:schemeClr val="tx1"/>
-                </a:solidFill>
-                <a:latin typeface="Times New Roman" pitchFamily="18" charset="0"/>
-              </a:defRPr>
-            </a:lvl3pPr>
-            <a:lvl4pPr marL="1600200" indent="-228600">
-              <a:defRPr sz="2400">
-                <a:solidFill>
-                  <a:schemeClr val="tx1"/>
-                </a:solidFill>
-                <a:latin typeface="Times New Roman" pitchFamily="18" charset="0"/>
-              </a:defRPr>
-            </a:lvl4pPr>
-            <a:lvl5pPr marL="2057400" indent="-228600">
-              <a:defRPr sz="2400">
-                <a:solidFill>
-                  <a:schemeClr val="tx1"/>
-                </a:solidFill>
-                <a:latin typeface="Times New Roman" pitchFamily="18" charset="0"/>
-              </a:defRPr>
-            </a:lvl5pPr>
-            <a:lvl6pPr marL="2514600" indent="-228600" eaLnBrk="0" fontAlgn="base" hangingPunct="0">
-              <a:spcBef>
-                <a:spcPct val="0"/>
-              </a:spcBef>
-              <a:spcAft>
-                <a:spcPct val="0"/>
-              </a:spcAft>
-              <a:defRPr sz="2400">
-                <a:solidFill>
-                  <a:schemeClr val="tx1"/>
-                </a:solidFill>
-                <a:latin typeface="Times New Roman" pitchFamily="18" charset="0"/>
-              </a:defRPr>
-            </a:lvl6pPr>
-            <a:lvl7pPr marL="2971800" indent="-228600" eaLnBrk="0" fontAlgn="base" hangingPunct="0">
-              <a:spcBef>
-                <a:spcPct val="0"/>
-              </a:spcBef>
-              <a:spcAft>
-                <a:spcPct val="0"/>
-              </a:spcAft>
-              <a:defRPr sz="2400">
-                <a:solidFill>
-                  <a:schemeClr val="tx1"/>
-                </a:solidFill>
-                <a:latin typeface="Times New Roman" pitchFamily="18" charset="0"/>
-              </a:defRPr>
-            </a:lvl7pPr>
-            <a:lvl8pPr marL="3429000" indent="-228600" eaLnBrk="0" fontAlgn="base" hangingPunct="0">
-              <a:spcBef>
-                <a:spcPct val="0"/>
-              </a:spcBef>
-              <a:spcAft>
-                <a:spcPct val="0"/>
-              </a:spcAft>
-              <a:defRPr sz="2400">
-                <a:solidFill>
-                  <a:schemeClr val="tx1"/>
-                </a:solidFill>
-                <a:latin typeface="Times New Roman" pitchFamily="18" charset="0"/>
-              </a:defRPr>
-            </a:lvl8pPr>
-            <a:lvl9pPr marL="3886200" indent="-228600" eaLnBrk="0" fontAlgn="base" hangingPunct="0">
-              <a:spcBef>
-                <a:spcPct val="0"/>
-              </a:spcBef>
-              <a:spcAft>
-                <a:spcPct val="0"/>
-              </a:spcAft>
-              <a:defRPr sz="2400">
-                <a:solidFill>
-                  <a:schemeClr val="tx1"/>
-                </a:solidFill>
-                <a:latin typeface="Times New Roman" pitchFamily="18" charset="0"/>
-              </a:defRPr>
-            </a:lvl9pPr>
-          </a:lstStyle>
-          <a:p>
-            <a:pPr algn="just">
-              <a:lnSpc>
-                <a:spcPts val="2800"/>
-              </a:lnSpc>
-            </a:pPr>
-            <a:r>
-              <a:rPr lang="es-ES" sz="1900" b="1" dirty="0">
-                <a:solidFill>
-                  <a:schemeClr val="accent6">
-                    <a:lumMod val="75000"/>
-                  </a:schemeClr>
-                </a:solidFill>
-                <a:latin typeface="+mn-lt"/>
-              </a:rPr>
-              <a:t>Describe los medios mecánicos, eléctricos, funcionales y procedimentales para transmitir bits a través de conexiones físicas.</a:t>
-            </a:r>
-            <a:endParaRPr lang="es-MX" sz="1900" b="1" dirty="0">
-              <a:solidFill>
-                <a:schemeClr val="accent6">
-                  <a:lumMod val="75000"/>
-                </a:schemeClr>
-              </a:solidFill>
-              <a:latin typeface="+mn-lt"/>
-            </a:endParaRPr>
-          </a:p>
-        </p:txBody>
-      </p:sp>
-      <p:sp>
-        <p:nvSpPr>
-          <p:cNvPr id="8" name="Rectangle 2"/>
-          <p:cNvSpPr txBox="1">
-            <a:spLocks noChangeArrowheads="1"/>
-          </p:cNvSpPr>
-          <p:nvPr/>
-        </p:nvSpPr>
-        <p:spPr>
-          <a:xfrm>
-            <a:off x="72008" y="197768"/>
-            <a:ext cx="8964488" cy="1143000"/>
-          </a:xfrm>
-          <a:prstGeom prst="rect">
-            <a:avLst/>
-          </a:prstGeom>
-        </p:spPr>
-        <p:txBody>
-          <a:bodyPr vert="horz" lIns="92075" tIns="46038" rIns="92075" bIns="46038" rtlCol="0" anchor="ctr">
-            <a:noAutofit/>
-          </a:bodyPr>
-          <a:lstStyle>
-            <a:lvl1pPr algn="ctr" defTabSz="914400" rtl="0" eaLnBrk="1" latinLnBrk="0" hangingPunct="1">
-              <a:spcBef>
-                <a:spcPct val="0"/>
-              </a:spcBef>
-              <a:buNone/>
-              <a:defRPr sz="4400" kern="1200">
-                <a:solidFill>
-                  <a:schemeClr val="tx1"/>
-                </a:solidFill>
-                <a:latin typeface="+mj-lt"/>
-                <a:ea typeface="+mj-ea"/>
-                <a:cs typeface="+mj-cs"/>
-              </a:defRPr>
-            </a:lvl1pPr>
-          </a:lstStyle>
-          <a:p>
-            <a:pPr>
-              <a:defRPr/>
-            </a:pPr>
-            <a:r>
-              <a:rPr lang="es-ES_tradnl" sz="3600" dirty="0">
-                <a:solidFill>
-                  <a:srgbClr val="3333CC"/>
-                </a:solidFill>
-                <a:effectLst>
-                  <a:outerShdw blurRad="38100" dist="38100" dir="2700000" algn="tl">
-                    <a:srgbClr val="C0C0C0"/>
-                  </a:outerShdw>
-                </a:effectLst>
-                <a:latin typeface="Dom Casual" charset="0"/>
-              </a:rPr>
-              <a:t> </a:t>
-            </a:r>
-            <a:r>
-              <a:rPr lang="es-ES_tradnl" sz="3600" b="1" dirty="0">
-                <a:solidFill>
-                  <a:schemeClr val="accent4">
-                    <a:lumMod val="50000"/>
-                  </a:schemeClr>
-                </a:solidFill>
-                <a:effectLst>
-                  <a:outerShdw blurRad="38100" dist="38100" dir="2700000" algn="tl">
-                    <a:srgbClr val="C0C0C0"/>
-                  </a:outerShdw>
-                </a:effectLst>
-                <a:latin typeface="Dom Casual" charset="0"/>
-              </a:rPr>
-              <a:t>Capas del Modelo OSI</a:t>
-            </a:r>
-          </a:p>
-        </p:txBody>
-      </p:sp>
-      <p:sp>
-        <p:nvSpPr>
-          <p:cNvPr id="10" name="Text Box 2"/>
-          <p:cNvSpPr txBox="1">
-            <a:spLocks noChangeArrowheads="1"/>
-          </p:cNvSpPr>
-          <p:nvPr/>
-        </p:nvSpPr>
-        <p:spPr bwMode="auto">
-          <a:xfrm>
-            <a:off x="672032" y="1127084"/>
-            <a:ext cx="2042592" cy="646331"/>
-          </a:xfrm>
-          <a:prstGeom prst="rect">
-            <a:avLst/>
-          </a:prstGeom>
-          <a:noFill/>
-          <a:ln>
-            <a:noFill/>
-          </a:ln>
-          <a:extLst>
-            <a:ext uri="{909E8E84-426E-40DD-AFC4-6F175D3DCCD1}">
-              <a14:hiddenFill xmlns:a14="http://schemas.microsoft.com/office/drawing/2010/main">
-                <a:solidFill>
-                  <a:srgbClr val="FFFFFF"/>
-                </a:solidFill>
-              </a14:hiddenFill>
-            </a:ext>
-            <a:ext uri="{91240B29-F687-4F45-9708-019B960494DF}">
-              <a14:hiddenLine xmlns:a14="http://schemas.microsoft.com/office/drawing/2010/main" w="9525">
-                <a:solidFill>
-                  <a:srgbClr val="000000"/>
-                </a:solidFill>
-                <a:miter lim="800000"/>
-                <a:headEnd/>
-                <a:tailEnd/>
-              </a14:hiddenLine>
-            </a:ext>
-          </a:extLst>
-        </p:spPr>
-        <p:txBody>
-          <a:bodyPr wrap="square">
-            <a:spAutoFit/>
-          </a:bodyPr>
-          <a:lstStyle>
-            <a:lvl1pPr>
-              <a:defRPr sz="2400">
-                <a:solidFill>
-                  <a:schemeClr val="tx1"/>
-                </a:solidFill>
-                <a:latin typeface="Times New Roman" pitchFamily="18" charset="0"/>
-              </a:defRPr>
-            </a:lvl1pPr>
-            <a:lvl2pPr marL="742950" indent="-285750">
-              <a:defRPr sz="2400">
-                <a:solidFill>
-                  <a:schemeClr val="tx1"/>
-                </a:solidFill>
-                <a:latin typeface="Times New Roman" pitchFamily="18" charset="0"/>
-              </a:defRPr>
-            </a:lvl2pPr>
-            <a:lvl3pPr marL="1143000" indent="-228600">
-              <a:defRPr sz="2400">
-                <a:solidFill>
-                  <a:schemeClr val="tx1"/>
-                </a:solidFill>
-                <a:latin typeface="Times New Roman" pitchFamily="18" charset="0"/>
-              </a:defRPr>
-            </a:lvl3pPr>
-            <a:lvl4pPr marL="1600200" indent="-228600">
-              <a:defRPr sz="2400">
-                <a:solidFill>
-                  <a:schemeClr val="tx1"/>
-                </a:solidFill>
-                <a:latin typeface="Times New Roman" pitchFamily="18" charset="0"/>
-              </a:defRPr>
-            </a:lvl4pPr>
-            <a:lvl5pPr marL="2057400" indent="-228600">
-              <a:defRPr sz="2400">
-                <a:solidFill>
-                  <a:schemeClr val="tx1"/>
-                </a:solidFill>
-                <a:latin typeface="Times New Roman" pitchFamily="18" charset="0"/>
-              </a:defRPr>
-            </a:lvl5pPr>
-            <a:lvl6pPr marL="2514600" indent="-228600" eaLnBrk="0" fontAlgn="base" hangingPunct="0">
-              <a:spcBef>
-                <a:spcPct val="0"/>
-              </a:spcBef>
-              <a:spcAft>
-                <a:spcPct val="0"/>
-              </a:spcAft>
-              <a:defRPr sz="2400">
-                <a:solidFill>
-                  <a:schemeClr val="tx1"/>
-                </a:solidFill>
-                <a:latin typeface="Times New Roman" pitchFamily="18" charset="0"/>
-              </a:defRPr>
-            </a:lvl6pPr>
-            <a:lvl7pPr marL="2971800" indent="-228600" eaLnBrk="0" fontAlgn="base" hangingPunct="0">
-              <a:spcBef>
-                <a:spcPct val="0"/>
-              </a:spcBef>
-              <a:spcAft>
-                <a:spcPct val="0"/>
-              </a:spcAft>
-              <a:defRPr sz="2400">
-                <a:solidFill>
-                  <a:schemeClr val="tx1"/>
-                </a:solidFill>
-                <a:latin typeface="Times New Roman" pitchFamily="18" charset="0"/>
-              </a:defRPr>
-            </a:lvl7pPr>
-            <a:lvl8pPr marL="3429000" indent="-228600" eaLnBrk="0" fontAlgn="base" hangingPunct="0">
-              <a:spcBef>
-                <a:spcPct val="0"/>
-              </a:spcBef>
-              <a:spcAft>
-                <a:spcPct val="0"/>
-              </a:spcAft>
-              <a:defRPr sz="2400">
-                <a:solidFill>
-                  <a:schemeClr val="tx1"/>
-                </a:solidFill>
-                <a:latin typeface="Times New Roman" pitchFamily="18" charset="0"/>
-              </a:defRPr>
-            </a:lvl8pPr>
-            <a:lvl9pPr marL="3886200" indent="-228600" eaLnBrk="0" fontAlgn="base" hangingPunct="0">
-              <a:spcBef>
-                <a:spcPct val="0"/>
-              </a:spcBef>
-              <a:spcAft>
-                <a:spcPct val="0"/>
-              </a:spcAft>
-              <a:defRPr sz="2400">
-                <a:solidFill>
-                  <a:schemeClr val="tx1"/>
-                </a:solidFill>
-                <a:latin typeface="Times New Roman" pitchFamily="18" charset="0"/>
-              </a:defRPr>
-            </a:lvl9pPr>
-          </a:lstStyle>
-          <a:p>
-            <a:pPr algn="just">
-              <a:lnSpc>
-                <a:spcPct val="150000"/>
-              </a:lnSpc>
-            </a:pPr>
-            <a:r>
-              <a:rPr lang="es-MX" b="1" dirty="0">
-                <a:solidFill>
-                  <a:schemeClr val="accent5">
-                    <a:lumMod val="75000"/>
-                  </a:schemeClr>
-                </a:solidFill>
-                <a:latin typeface="+mn-lt"/>
-              </a:rPr>
-              <a:t>Física</a:t>
-            </a:r>
-          </a:p>
-        </p:txBody>
-      </p:sp>
-      <p:sp>
-        <p:nvSpPr>
-          <p:cNvPr id="11" name="CuadroTexto 10">
-            <a:extLst>
-              <a:ext uri="{FF2B5EF4-FFF2-40B4-BE49-F238E27FC236}">
-                <a16:creationId xmlns:a16="http://schemas.microsoft.com/office/drawing/2014/main" id="{DFE68815-3573-4636-B6BF-C6DEDAF72152}"/>
-              </a:ext>
-            </a:extLst>
-          </p:cNvPr>
-          <p:cNvSpPr txBox="1"/>
-          <p:nvPr/>
-        </p:nvSpPr>
-        <p:spPr>
-          <a:xfrm>
-            <a:off x="672032" y="2780928"/>
-            <a:ext cx="4572000" cy="2270109"/>
-          </a:xfrm>
-          <a:prstGeom prst="rect">
-            <a:avLst/>
-          </a:prstGeom>
-          <a:noFill/>
-        </p:spPr>
-        <p:txBody>
-          <a:bodyPr wrap="square">
-            <a:spAutoFit/>
-          </a:bodyPr>
-          <a:lstStyle/>
-          <a:p>
-            <a:pPr>
-              <a:lnSpc>
-                <a:spcPct val="150000"/>
-              </a:lnSpc>
-            </a:pPr>
-            <a:r>
-              <a:rPr lang="es-MX" sz="1600" b="1" i="0" u="none" strike="noStrike" baseline="0" dirty="0">
-                <a:solidFill>
-                  <a:srgbClr val="222228"/>
-                </a:solidFill>
-                <a:latin typeface="Calibri" panose="020F0502020204030204" pitchFamily="34" charset="0"/>
-              </a:rPr>
-              <a:t>Propiedades Físicas</a:t>
-            </a:r>
-            <a:endParaRPr lang="es-MX" sz="1600" b="0" i="0" u="none" strike="noStrike" baseline="0" dirty="0">
-              <a:solidFill>
-                <a:srgbClr val="222228"/>
-              </a:solidFill>
-              <a:latin typeface="Calibri" panose="020F0502020204030204" pitchFamily="34" charset="0"/>
-            </a:endParaRPr>
-          </a:p>
-          <a:p>
-            <a:pPr marL="285750" indent="-285750">
-              <a:lnSpc>
-                <a:spcPct val="150000"/>
-              </a:lnSpc>
-              <a:buFont typeface="Arial" panose="020B0604020202020204" pitchFamily="34" charset="0"/>
-              <a:buChar char="•"/>
-            </a:pPr>
-            <a:r>
-              <a:rPr lang="es-MX" sz="1600" b="0" i="0" u="none" strike="noStrike" baseline="0" dirty="0">
-                <a:solidFill>
-                  <a:srgbClr val="454551"/>
-                </a:solidFill>
-                <a:latin typeface="Calibri" panose="020F0502020204030204" pitchFamily="34" charset="0"/>
-              </a:rPr>
-              <a:t>Mecánicas (Materiales y Dimensiones).</a:t>
-            </a:r>
-          </a:p>
-          <a:p>
-            <a:pPr marL="285750" indent="-285750">
-              <a:lnSpc>
-                <a:spcPct val="150000"/>
-              </a:lnSpc>
-              <a:buFont typeface="Arial" panose="020B0604020202020204" pitchFamily="34" charset="0"/>
-              <a:buChar char="•"/>
-            </a:pPr>
-            <a:r>
-              <a:rPr lang="es-MX" sz="1600" b="0" i="0" u="none" strike="noStrike" baseline="0" dirty="0">
-                <a:solidFill>
-                  <a:srgbClr val="454551"/>
-                </a:solidFill>
-                <a:latin typeface="Calibri" panose="020F0502020204030204" pitchFamily="34" charset="0"/>
-              </a:rPr>
-              <a:t>Eléctricas.</a:t>
-            </a:r>
-          </a:p>
-          <a:p>
-            <a:pPr marL="285750" indent="-285750">
-              <a:lnSpc>
-                <a:spcPct val="150000"/>
-              </a:lnSpc>
-              <a:buFont typeface="Arial" panose="020B0604020202020204" pitchFamily="34" charset="0"/>
-              <a:buChar char="•"/>
-            </a:pPr>
-            <a:r>
-              <a:rPr lang="es-MX" sz="1600" b="0" i="0" u="none" strike="noStrike" baseline="0" dirty="0">
-                <a:solidFill>
-                  <a:srgbClr val="454551"/>
-                </a:solidFill>
-                <a:latin typeface="Calibri" panose="020F0502020204030204" pitchFamily="34" charset="0"/>
-              </a:rPr>
-              <a:t>Ópticas.</a:t>
-            </a:r>
-          </a:p>
-          <a:p>
-            <a:pPr marL="285750" indent="-285750">
-              <a:lnSpc>
-                <a:spcPct val="150000"/>
-              </a:lnSpc>
-              <a:buFont typeface="Arial" panose="020B0604020202020204" pitchFamily="34" charset="0"/>
-              <a:buChar char="•"/>
-            </a:pPr>
-            <a:r>
-              <a:rPr lang="es-MX" sz="1600" b="0" i="0" u="none" strike="noStrike" baseline="0" dirty="0">
-                <a:solidFill>
-                  <a:srgbClr val="454551"/>
-                </a:solidFill>
-                <a:latin typeface="Calibri" panose="020F0502020204030204" pitchFamily="34" charset="0"/>
-              </a:rPr>
-              <a:t>Electromagnéticas.</a:t>
-            </a:r>
-          </a:p>
-          <a:p>
-            <a:pPr marL="285750" indent="-285750">
-              <a:lnSpc>
-                <a:spcPct val="150000"/>
-              </a:lnSpc>
-              <a:buFont typeface="Arial" panose="020B0604020202020204" pitchFamily="34" charset="0"/>
-              <a:buChar char="•"/>
-            </a:pPr>
-            <a:r>
-              <a:rPr lang="es-MX" sz="1600" b="0" i="0" u="none" strike="noStrike" baseline="0" dirty="0">
-                <a:solidFill>
-                  <a:srgbClr val="454551"/>
-                </a:solidFill>
-                <a:latin typeface="Calibri" panose="020F0502020204030204" pitchFamily="34" charset="0"/>
-              </a:rPr>
-              <a:t>Conectores e Interfaces.</a:t>
-            </a:r>
-          </a:p>
-        </p:txBody>
-      </p:sp>
-    </p:spTree>
-    <p:extLst>
-      <p:ext uri="{BB962C8B-B14F-4D97-AF65-F5344CB8AC3E}">
-        <p14:creationId xmlns:p14="http://schemas.microsoft.com/office/powerpoint/2010/main" val="3914807760"/>
-      </p:ext>
-    </p:extLst>
-  </p:cSld>
-  <p:clrMapOvr>
-    <a:masterClrMapping/>
-  </p:clrMapOvr>
-  <p:timing>
-    <p:tnLst>
-      <p:par>
-        <p:cTn id="1" dur="indefinite" restart="never" nodeType="tmRoot">
-          <p:childTnLst>
-            <p:seq concurrent="1" nextAc="seek">
-              <p:cTn id="2" dur="indefinite" nodeType="mainSeq">
-                <p:childTnLst>
-                  <p:par>
-                    <p:cTn id="3" fill="hold" nodeType="clickPar">
-                      <p:stCondLst>
-                        <p:cond delay="indefinite"/>
-                      </p:stCondLst>
-                      <p:childTnLst>
-                        <p:par>
-                          <p:cTn id="4" fill="hold" nodeType="withGroup">
-                            <p:stCondLst>
-                              <p:cond delay="0"/>
-                            </p:stCondLst>
-                            <p:childTnLst>
-                              <p:par>
-                                <p:cTn id="5" presetID="4" presetClass="entr" presetSubtype="16" fill="hold" grpId="0" nodeType="clickEffect">
-                                  <p:stCondLst>
-                                    <p:cond delay="0"/>
-                                  </p:stCondLst>
-                                  <p:childTnLst>
-                                    <p:set>
-                                      <p:cBhvr>
-                                        <p:cTn id="6" dur="1" fill="hold">
-                                          <p:stCondLst>
-                                            <p:cond delay="0"/>
-                                          </p:stCondLst>
-                                        </p:cTn>
-                                        <p:tgtEl>
-                                          <p:spTgt spid="10"/>
-                                        </p:tgtEl>
-                                        <p:attrNameLst>
-                                          <p:attrName>style.visibility</p:attrName>
-                                        </p:attrNameLst>
-                                      </p:cBhvr>
-                                      <p:to>
-                                        <p:strVal val="visible"/>
-                                      </p:to>
-                                    </p:set>
-                                    <p:animEffect transition="in" filter="box(in)">
-                                      <p:cBhvr>
-                                        <p:cTn id="7" dur="2000"/>
-                                        <p:tgtEl>
-                                          <p:spTgt spid="10"/>
-                                        </p:tgtEl>
-                                      </p:cBhvr>
-                                    </p:animEffect>
-                                  </p:childTnLst>
-                                </p:cTn>
-                              </p:par>
-                            </p:childTnLst>
-                          </p:cTn>
-                        </p:par>
-                      </p:childTnLst>
-                    </p:cTn>
-                  </p:par>
-                  <p:par>
-                    <p:cTn id="8" fill="hold">
-                      <p:stCondLst>
-                        <p:cond delay="indefinite"/>
-                      </p:stCondLst>
-                      <p:childTnLst>
-                        <p:par>
-                          <p:cTn id="9" fill="hold">
-                            <p:stCondLst>
-                              <p:cond delay="0"/>
-                            </p:stCondLst>
-                            <p:childTnLst>
-                              <p:par>
-                                <p:cTn id="10" presetID="4" presetClass="entr" presetSubtype="16" fill="hold" grpId="0" nodeType="clickEffect">
-                                  <p:stCondLst>
-                                    <p:cond delay="0"/>
-                                  </p:stCondLst>
-                                  <p:childTnLst>
-                                    <p:set>
-                                      <p:cBhvr>
-                                        <p:cTn id="11" dur="1" fill="hold">
-                                          <p:stCondLst>
-                                            <p:cond delay="0"/>
-                                          </p:stCondLst>
-                                        </p:cTn>
-                                        <p:tgtEl>
-                                          <p:spTgt spid="13316"/>
-                                        </p:tgtEl>
-                                        <p:attrNameLst>
-                                          <p:attrName>style.visibility</p:attrName>
-                                        </p:attrNameLst>
-                                      </p:cBhvr>
-                                      <p:to>
-                                        <p:strVal val="visible"/>
-                                      </p:to>
-                                    </p:set>
-                                    <p:animEffect transition="in" filter="box(in)">
-                                      <p:cBhvr>
-                                        <p:cTn id="12" dur="2000"/>
-                                        <p:tgtEl>
-                                          <p:spTgt spid="13316"/>
-                                        </p:tgtEl>
-                                      </p:cBhvr>
-                                    </p:animEffect>
-                                  </p:childTnLst>
-                                </p:cTn>
-                              </p:par>
-                            </p:childTnLst>
-                          </p:cTn>
-                        </p:par>
-                      </p:childTnLst>
-                    </p:cTn>
-                  </p:par>
-                  <p:par>
-                    <p:cTn id="13" fill="hold">
-                      <p:stCondLst>
-                        <p:cond delay="indefinite"/>
-                      </p:stCondLst>
-                      <p:childTnLst>
-                        <p:par>
-                          <p:cTn id="14" fill="hold">
-                            <p:stCondLst>
-                              <p:cond delay="0"/>
-                            </p:stCondLst>
-                            <p:childTnLst>
-                              <p:par>
-                                <p:cTn id="15" presetID="1" presetClass="entr" presetSubtype="0" fill="hold" grpId="0" nodeType="clickEffect">
-                                  <p:stCondLst>
-                                    <p:cond delay="0"/>
-                                  </p:stCondLst>
-                                  <p:childTnLst>
-                                    <p:set>
-                                      <p:cBhvr>
-                                        <p:cTn id="16" dur="1" fill="hold">
-                                          <p:stCondLst>
-                                            <p:cond delay="0"/>
-                                          </p:stCondLst>
-                                        </p:cTn>
-                                        <p:tgtEl>
-                                          <p:spTgt spid="11"/>
-                                        </p:tgtEl>
-                                        <p:attrNameLst>
-                                          <p:attrName>style.visibility</p:attrName>
-                                        </p:attrNameLst>
-                                      </p:cBhvr>
-                                      <p:to>
-                                        <p:strVal val="visible"/>
-                                      </p:to>
-                                    </p:set>
-                                  </p:childTnLst>
-                                </p:cTn>
-                              </p:par>
-                            </p:childTnLst>
-                          </p:cTn>
-                        </p:par>
-                      </p:childTnLst>
-                    </p:cTn>
-                  </p:par>
-                </p:childTnLst>
-              </p:cTn>
-              <p:prevCondLst>
-                <p:cond evt="onPrev" delay="0">
-                  <p:tgtEl>
-                    <p:sldTgt/>
-                  </p:tgtEl>
-                </p:cond>
-              </p:prevCondLst>
-              <p:nextCondLst>
-                <p:cond evt="onNext" delay="0">
-                  <p:tgtEl>
-                    <p:sldTgt/>
-                  </p:tgtEl>
-                </p:cond>
-              </p:nextCondLst>
-            </p:seq>
-          </p:childTnLst>
-        </p:cTn>
-      </p:par>
-    </p:tnLst>
-    <p:bldLst>
-      <p:bldP spid="13316" grpId="0"/>
-      <p:bldP spid="10" grpId="0"/>
-      <p:bldP spid="11" grpId="0"/>
-    </p:bldLst>
-  </p:timing>
-</p:sld>
-</file>
-
-<file path=ppt/slides/slide3.xml><?xml version="1.0" encoding="utf-8"?>
-<p:sld xmlns:a="http://schemas.openxmlformats.org/drawingml/2006/main" xmlns:r="http://schemas.openxmlformats.org/officeDocument/2006/relationships" xmlns:p="http://schemas.openxmlformats.org/presentationml/2006/main">
-  <p:cSld>
-    <p:spTree>
-      <p:nvGrpSpPr>
-        <p:cNvPr id="1" name=""/>
-        <p:cNvGrpSpPr/>
-        <p:nvPr/>
-      </p:nvGrpSpPr>
-      <p:grpSpPr>
-        <a:xfrm>
-          <a:off x="0" y="0"/>
-          <a:ext cx="0" cy="0"/>
-          <a:chOff x="0" y="0"/>
-          <a:chExt cx="0" cy="0"/>
-        </a:xfrm>
-      </p:grpSpPr>
-      <p:graphicFrame>
-        <p:nvGraphicFramePr>
-          <p:cNvPr id="4099" name="Object 3"/>
-          <p:cNvGraphicFramePr>
-            <a:graphicFrameLocks noChangeAspect="1"/>
-          </p:cNvGraphicFramePr>
-          <p:nvPr>
-            <p:extLst>
-              <p:ext uri="{D42A27DB-BD31-4B8C-83A1-F6EECF244321}">
-                <p14:modId xmlns:p14="http://schemas.microsoft.com/office/powerpoint/2010/main" val="3912553987"/>
-              </p:ext>
-            </p:extLst>
-          </p:nvPr>
-        </p:nvGraphicFramePr>
-        <p:xfrm>
-          <a:off x="6804248" y="2282488"/>
-          <a:ext cx="1952625" cy="3594784"/>
-        </p:xfrm>
-        <a:graphic>
-          <a:graphicData uri="http://schemas.openxmlformats.org/presentationml/2006/ole">
-            <mc:AlternateContent xmlns:mc="http://schemas.openxmlformats.org/markup-compatibility/2006">
-              <mc:Choice xmlns:v="urn:schemas-microsoft-com:vml" Requires="v">
-                <p:oleObj name="Bitmap Image" r:id="rId2" imgW="1685950" imgH="2590983" progId="Paint.Picture">
-                  <p:embed/>
-                </p:oleObj>
-              </mc:Choice>
-              <mc:Fallback>
-                <p:oleObj name="Bitmap Image" r:id="rId2" imgW="1685950" imgH="2590983" progId="Paint.Picture">
-                  <p:embed/>
-                  <p:pic>
-                    <p:nvPicPr>
-                      <p:cNvPr id="0" name=""/>
-                      <p:cNvPicPr>
-                        <a:picLocks noChangeAspect="1" noChangeArrowheads="1"/>
-                      </p:cNvPicPr>
-                      <p:nvPr/>
-                    </p:nvPicPr>
-                    <p:blipFill>
-                      <a:blip r:embed="rId3">
-                        <a:extLst>
-                          <a:ext uri="{28A0092B-C50C-407E-A947-70E740481C1C}">
-                            <a14:useLocalDpi xmlns:a14="http://schemas.microsoft.com/office/drawing/2010/main" val="0"/>
-                          </a:ext>
-                        </a:extLst>
-                      </a:blip>
-                      <a:srcRect/>
-                      <a:stretch>
-                        <a:fillRect/>
-                      </a:stretch>
-                    </p:blipFill>
-                    <p:spPr bwMode="auto">
-                      <a:xfrm>
-                        <a:off x="6804248" y="2282488"/>
-                        <a:ext cx="1952625" cy="3594784"/>
-                      </a:xfrm>
-                      <a:prstGeom prst="rect">
-                        <a:avLst/>
-                      </a:prstGeom>
-                      <a:noFill/>
-                      <a:ln>
-                        <a:noFill/>
-                      </a:ln>
-                      <a:effectLst/>
-                    </p:spPr>
-                  </p:pic>
-                </p:oleObj>
-              </mc:Fallback>
-            </mc:AlternateContent>
-          </a:graphicData>
-        </a:graphic>
-      </p:graphicFrame>
-      <p:sp>
-        <p:nvSpPr>
-          <p:cNvPr id="3076" name="Text Box 4"/>
-          <p:cNvSpPr txBox="1">
-            <a:spLocks noChangeArrowheads="1"/>
-          </p:cNvSpPr>
-          <p:nvPr/>
-        </p:nvSpPr>
-        <p:spPr bwMode="auto">
-          <a:xfrm>
-            <a:off x="714375" y="2071688"/>
-            <a:ext cx="5357813" cy="1938992"/>
-          </a:xfrm>
-          <a:prstGeom prst="rect">
-            <a:avLst/>
-          </a:prstGeom>
-          <a:noFill/>
-          <a:ln>
-            <a:noFill/>
-          </a:ln>
-          <a:extLst>
-            <a:ext uri="{909E8E84-426E-40DD-AFC4-6F175D3DCCD1}">
-              <a14:hiddenFill xmlns:a14="http://schemas.microsoft.com/office/drawing/2010/main">
-                <a:solidFill>
-                  <a:srgbClr val="FFFFFF"/>
-                </a:solidFill>
-              </a14:hiddenFill>
-            </a:ext>
-            <a:ext uri="{91240B29-F687-4F45-9708-019B960494DF}">
-              <a14:hiddenLine xmlns:a14="http://schemas.microsoft.com/office/drawing/2010/main" w="9525">
-                <a:solidFill>
-                  <a:srgbClr val="000000"/>
-                </a:solidFill>
-                <a:miter lim="800000"/>
-                <a:headEnd/>
-                <a:tailEnd/>
-              </a14:hiddenLine>
-            </a:ext>
-          </a:extLst>
-        </p:spPr>
-        <p:txBody>
-          <a:bodyPr>
-            <a:spAutoFit/>
-          </a:bodyPr>
-          <a:lstStyle>
-            <a:lvl1pPr>
-              <a:defRPr sz="2400">
-                <a:solidFill>
-                  <a:schemeClr val="tx1"/>
-                </a:solidFill>
-                <a:latin typeface="Times New Roman" pitchFamily="18" charset="0"/>
-              </a:defRPr>
-            </a:lvl1pPr>
-            <a:lvl2pPr marL="742950" indent="-285750">
-              <a:defRPr sz="2400">
-                <a:solidFill>
-                  <a:schemeClr val="tx1"/>
-                </a:solidFill>
-                <a:latin typeface="Times New Roman" pitchFamily="18" charset="0"/>
-              </a:defRPr>
-            </a:lvl2pPr>
-            <a:lvl3pPr marL="1143000" indent="-228600">
-              <a:defRPr sz="2400">
-                <a:solidFill>
-                  <a:schemeClr val="tx1"/>
-                </a:solidFill>
-                <a:latin typeface="Times New Roman" pitchFamily="18" charset="0"/>
-              </a:defRPr>
-            </a:lvl3pPr>
-            <a:lvl4pPr marL="1600200" indent="-228600">
-              <a:defRPr sz="2400">
-                <a:solidFill>
-                  <a:schemeClr val="tx1"/>
-                </a:solidFill>
-                <a:latin typeface="Times New Roman" pitchFamily="18" charset="0"/>
-              </a:defRPr>
-            </a:lvl4pPr>
-            <a:lvl5pPr marL="2057400" indent="-228600">
-              <a:defRPr sz="2400">
-                <a:solidFill>
-                  <a:schemeClr val="tx1"/>
-                </a:solidFill>
-                <a:latin typeface="Times New Roman" pitchFamily="18" charset="0"/>
-              </a:defRPr>
-            </a:lvl5pPr>
-            <a:lvl6pPr marL="2514600" indent="-228600" eaLnBrk="0" fontAlgn="base" hangingPunct="0">
-              <a:spcBef>
-                <a:spcPct val="0"/>
-              </a:spcBef>
-              <a:spcAft>
-                <a:spcPct val="0"/>
-              </a:spcAft>
-              <a:defRPr sz="2400">
-                <a:solidFill>
-                  <a:schemeClr val="tx1"/>
-                </a:solidFill>
-                <a:latin typeface="Times New Roman" pitchFamily="18" charset="0"/>
-              </a:defRPr>
-            </a:lvl6pPr>
-            <a:lvl7pPr marL="2971800" indent="-228600" eaLnBrk="0" fontAlgn="base" hangingPunct="0">
-              <a:spcBef>
-                <a:spcPct val="0"/>
-              </a:spcBef>
-              <a:spcAft>
-                <a:spcPct val="0"/>
-              </a:spcAft>
-              <a:defRPr sz="2400">
-                <a:solidFill>
-                  <a:schemeClr val="tx1"/>
-                </a:solidFill>
-                <a:latin typeface="Times New Roman" pitchFamily="18" charset="0"/>
-              </a:defRPr>
-            </a:lvl7pPr>
-            <a:lvl8pPr marL="3429000" indent="-228600" eaLnBrk="0" fontAlgn="base" hangingPunct="0">
-              <a:spcBef>
-                <a:spcPct val="0"/>
-              </a:spcBef>
-              <a:spcAft>
-                <a:spcPct val="0"/>
-              </a:spcAft>
-              <a:defRPr sz="2400">
-                <a:solidFill>
-                  <a:schemeClr val="tx1"/>
-                </a:solidFill>
-                <a:latin typeface="Times New Roman" pitchFamily="18" charset="0"/>
-              </a:defRPr>
-            </a:lvl8pPr>
-            <a:lvl9pPr marL="3886200" indent="-228600" eaLnBrk="0" fontAlgn="base" hangingPunct="0">
-              <a:spcBef>
-                <a:spcPct val="0"/>
-              </a:spcBef>
-              <a:spcAft>
-                <a:spcPct val="0"/>
-              </a:spcAft>
-              <a:defRPr sz="2400">
-                <a:solidFill>
-                  <a:schemeClr val="tx1"/>
-                </a:solidFill>
-                <a:latin typeface="Times New Roman" pitchFamily="18" charset="0"/>
-              </a:defRPr>
-            </a:lvl9pPr>
-          </a:lstStyle>
-          <a:p>
-            <a:pPr algn="just">
-              <a:lnSpc>
-                <a:spcPct val="150000"/>
-              </a:lnSpc>
-              <a:spcBef>
-                <a:spcPct val="50000"/>
-              </a:spcBef>
-            </a:pPr>
-            <a:r>
-              <a:rPr lang="es-MX" sz="2000" dirty="0">
-                <a:solidFill>
-                  <a:schemeClr val="bg2">
-                    <a:lumMod val="25000"/>
-                  </a:schemeClr>
-                </a:solidFill>
-                <a:latin typeface="+mn-lt"/>
-                <a:cs typeface="Arial" pitchFamily="34" charset="0"/>
-              </a:rPr>
-              <a:t>El modelo </a:t>
-            </a:r>
-            <a:r>
-              <a:rPr lang="es-MX" sz="2000" b="1" dirty="0">
-                <a:solidFill>
-                  <a:schemeClr val="accent6">
-                    <a:lumMod val="75000"/>
-                  </a:schemeClr>
-                </a:solidFill>
-                <a:latin typeface="+mn-lt"/>
-                <a:cs typeface="Arial" pitchFamily="34" charset="0"/>
-              </a:rPr>
-              <a:t>OSI</a:t>
-            </a:r>
-            <a:r>
-              <a:rPr lang="es-MX" sz="2000" dirty="0">
-                <a:solidFill>
-                  <a:schemeClr val="bg2">
-                    <a:lumMod val="25000"/>
-                  </a:schemeClr>
-                </a:solidFill>
-                <a:latin typeface="+mn-lt"/>
-                <a:cs typeface="Arial" pitchFamily="34" charset="0"/>
-              </a:rPr>
-              <a:t>, surge como una respuesta a la necesidad de </a:t>
-            </a:r>
-            <a:r>
-              <a:rPr lang="es-MX" sz="2000" u="sng" dirty="0">
-                <a:solidFill>
-                  <a:schemeClr val="bg2">
-                    <a:lumMod val="25000"/>
-                  </a:schemeClr>
-                </a:solidFill>
-                <a:latin typeface="+mn-lt"/>
-                <a:cs typeface="Arial" pitchFamily="34" charset="0"/>
-              </a:rPr>
-              <a:t>interconexión de equipos de informática de diferentes fabricantes</a:t>
-            </a:r>
-            <a:r>
-              <a:rPr lang="es-MX" sz="2000" dirty="0">
-                <a:solidFill>
-                  <a:schemeClr val="bg2">
-                    <a:lumMod val="25000"/>
-                  </a:schemeClr>
-                </a:solidFill>
-                <a:latin typeface="+mn-lt"/>
-                <a:cs typeface="Arial" pitchFamily="34" charset="0"/>
-              </a:rPr>
-              <a:t> para comunicarse entre sí con éxito en una red.  </a:t>
-            </a:r>
-          </a:p>
-        </p:txBody>
-      </p:sp>
-      <p:sp>
-        <p:nvSpPr>
-          <p:cNvPr id="4101" name="8 CuadroTexto"/>
-          <p:cNvSpPr txBox="1">
-            <a:spLocks noChangeArrowheads="1"/>
-          </p:cNvSpPr>
-          <p:nvPr/>
-        </p:nvSpPr>
-        <p:spPr bwMode="auto">
-          <a:xfrm>
-            <a:off x="714375" y="1428750"/>
-            <a:ext cx="5786438" cy="461963"/>
-          </a:xfrm>
-          <a:prstGeom prst="rect">
-            <a:avLst/>
-          </a:prstGeom>
-          <a:noFill/>
-          <a:ln>
-            <a:noFill/>
-          </a:ln>
-          <a:extLst>
-            <a:ext uri="{909E8E84-426E-40DD-AFC4-6F175D3DCCD1}">
-              <a14:hiddenFill xmlns:a14="http://schemas.microsoft.com/office/drawing/2010/main">
-                <a:solidFill>
-                  <a:srgbClr val="FFFFFF"/>
-                </a:solidFill>
-              </a14:hiddenFill>
-            </a:ext>
-            <a:ext uri="{91240B29-F687-4F45-9708-019B960494DF}">
-              <a14:hiddenLine xmlns:a14="http://schemas.microsoft.com/office/drawing/2010/main" w="9525">
-                <a:solidFill>
-                  <a:srgbClr val="000000"/>
-                </a:solidFill>
-                <a:miter lim="800000"/>
-                <a:headEnd/>
-                <a:tailEnd/>
-              </a14:hiddenLine>
-            </a:ext>
-          </a:extLst>
-        </p:spPr>
-        <p:txBody>
-          <a:bodyPr>
-            <a:spAutoFit/>
-          </a:bodyPr>
-          <a:lstStyle>
-            <a:lvl1pPr>
-              <a:defRPr sz="2400">
-                <a:solidFill>
-                  <a:schemeClr val="tx1"/>
-                </a:solidFill>
-                <a:latin typeface="Times New Roman" pitchFamily="18" charset="0"/>
-              </a:defRPr>
-            </a:lvl1pPr>
-            <a:lvl2pPr marL="742950" indent="-285750">
-              <a:defRPr sz="2400">
-                <a:solidFill>
-                  <a:schemeClr val="tx1"/>
-                </a:solidFill>
-                <a:latin typeface="Times New Roman" pitchFamily="18" charset="0"/>
-              </a:defRPr>
-            </a:lvl2pPr>
-            <a:lvl3pPr marL="1143000" indent="-228600">
-              <a:defRPr sz="2400">
-                <a:solidFill>
-                  <a:schemeClr val="tx1"/>
-                </a:solidFill>
-                <a:latin typeface="Times New Roman" pitchFamily="18" charset="0"/>
-              </a:defRPr>
-            </a:lvl3pPr>
-            <a:lvl4pPr marL="1600200" indent="-228600">
-              <a:defRPr sz="2400">
-                <a:solidFill>
-                  <a:schemeClr val="tx1"/>
-                </a:solidFill>
-                <a:latin typeface="Times New Roman" pitchFamily="18" charset="0"/>
-              </a:defRPr>
-            </a:lvl4pPr>
-            <a:lvl5pPr marL="2057400" indent="-228600">
-              <a:defRPr sz="2400">
-                <a:solidFill>
-                  <a:schemeClr val="tx1"/>
-                </a:solidFill>
-                <a:latin typeface="Times New Roman" pitchFamily="18" charset="0"/>
-              </a:defRPr>
-            </a:lvl5pPr>
-            <a:lvl6pPr marL="2514600" indent="-228600" eaLnBrk="0" fontAlgn="base" hangingPunct="0">
-              <a:spcBef>
-                <a:spcPct val="0"/>
-              </a:spcBef>
-              <a:spcAft>
-                <a:spcPct val="0"/>
-              </a:spcAft>
-              <a:defRPr sz="2400">
-                <a:solidFill>
-                  <a:schemeClr val="tx1"/>
-                </a:solidFill>
-                <a:latin typeface="Times New Roman" pitchFamily="18" charset="0"/>
-              </a:defRPr>
-            </a:lvl6pPr>
-            <a:lvl7pPr marL="2971800" indent="-228600" eaLnBrk="0" fontAlgn="base" hangingPunct="0">
-              <a:spcBef>
-                <a:spcPct val="0"/>
-              </a:spcBef>
-              <a:spcAft>
-                <a:spcPct val="0"/>
-              </a:spcAft>
-              <a:defRPr sz="2400">
-                <a:solidFill>
-                  <a:schemeClr val="tx1"/>
-                </a:solidFill>
-                <a:latin typeface="Times New Roman" pitchFamily="18" charset="0"/>
-              </a:defRPr>
-            </a:lvl7pPr>
-            <a:lvl8pPr marL="3429000" indent="-228600" eaLnBrk="0" fontAlgn="base" hangingPunct="0">
-              <a:spcBef>
-                <a:spcPct val="0"/>
-              </a:spcBef>
-              <a:spcAft>
-                <a:spcPct val="0"/>
-              </a:spcAft>
-              <a:defRPr sz="2400">
-                <a:solidFill>
-                  <a:schemeClr val="tx1"/>
-                </a:solidFill>
-                <a:latin typeface="Times New Roman" pitchFamily="18" charset="0"/>
-              </a:defRPr>
-            </a:lvl8pPr>
-            <a:lvl9pPr marL="3886200" indent="-228600" eaLnBrk="0" fontAlgn="base" hangingPunct="0">
-              <a:spcBef>
-                <a:spcPct val="0"/>
-              </a:spcBef>
-              <a:spcAft>
-                <a:spcPct val="0"/>
-              </a:spcAft>
-              <a:defRPr sz="2400">
-                <a:solidFill>
-                  <a:schemeClr val="tx1"/>
-                </a:solidFill>
-                <a:latin typeface="Times New Roman" pitchFamily="18" charset="0"/>
-              </a:defRPr>
-            </a:lvl9pPr>
-          </a:lstStyle>
-          <a:p>
-            <a:r>
-              <a:rPr lang="es-MX" b="1" dirty="0">
-                <a:solidFill>
-                  <a:schemeClr val="accent5">
-                    <a:lumMod val="75000"/>
-                  </a:schemeClr>
-                </a:solidFill>
-                <a:latin typeface="ZapfHumnst BT"/>
-                <a:cs typeface="Arial" pitchFamily="34" charset="0"/>
-              </a:rPr>
-              <a:t>Open </a:t>
-            </a:r>
-            <a:r>
-              <a:rPr lang="es-MX" b="1" dirty="0" err="1">
-                <a:solidFill>
-                  <a:schemeClr val="accent5">
-                    <a:lumMod val="75000"/>
-                  </a:schemeClr>
-                </a:solidFill>
-                <a:latin typeface="ZapfHumnst BT"/>
-                <a:cs typeface="Arial" pitchFamily="34" charset="0"/>
-              </a:rPr>
-              <a:t>System</a:t>
-            </a:r>
-            <a:r>
-              <a:rPr lang="es-MX" b="1" dirty="0">
-                <a:solidFill>
-                  <a:schemeClr val="accent5">
-                    <a:lumMod val="75000"/>
-                  </a:schemeClr>
-                </a:solidFill>
-                <a:latin typeface="ZapfHumnst BT"/>
-                <a:cs typeface="Arial" pitchFamily="34" charset="0"/>
-              </a:rPr>
-              <a:t> </a:t>
-            </a:r>
-            <a:r>
-              <a:rPr lang="es-MX" b="1" dirty="0" err="1">
-                <a:solidFill>
-                  <a:schemeClr val="accent5">
-                    <a:lumMod val="75000"/>
-                  </a:schemeClr>
-                </a:solidFill>
-                <a:latin typeface="ZapfHumnst BT"/>
-                <a:cs typeface="Arial" pitchFamily="34" charset="0"/>
-              </a:rPr>
-              <a:t>Interconnection</a:t>
-            </a:r>
-            <a:r>
-              <a:rPr lang="es-MX" b="1" dirty="0">
-                <a:solidFill>
-                  <a:schemeClr val="accent5">
-                    <a:lumMod val="75000"/>
-                  </a:schemeClr>
-                </a:solidFill>
-                <a:latin typeface="ZapfHumnst BT"/>
-                <a:cs typeface="Arial" pitchFamily="34" charset="0"/>
-              </a:rPr>
-              <a:t> (OSI)</a:t>
-            </a:r>
-          </a:p>
-        </p:txBody>
-      </p:sp>
-      <p:sp>
-        <p:nvSpPr>
-          <p:cNvPr id="6" name="Text Box 4"/>
-          <p:cNvSpPr txBox="1">
-            <a:spLocks noChangeArrowheads="1"/>
-          </p:cNvSpPr>
-          <p:nvPr/>
-        </p:nvSpPr>
-        <p:spPr bwMode="auto">
-          <a:xfrm>
-            <a:off x="714374" y="4174004"/>
-            <a:ext cx="5357814" cy="2092881"/>
-          </a:xfrm>
-          <a:prstGeom prst="rect">
-            <a:avLst/>
-          </a:prstGeom>
-          <a:noFill/>
-          <a:ln>
-            <a:noFill/>
-          </a:ln>
-          <a:extLst>
-            <a:ext uri="{909E8E84-426E-40DD-AFC4-6F175D3DCCD1}">
-              <a14:hiddenFill xmlns:a14="http://schemas.microsoft.com/office/drawing/2010/main">
-                <a:solidFill>
-                  <a:srgbClr val="FFFFFF"/>
-                </a:solidFill>
-              </a14:hiddenFill>
-            </a:ext>
-            <a:ext uri="{91240B29-F687-4F45-9708-019B960494DF}">
-              <a14:hiddenLine xmlns:a14="http://schemas.microsoft.com/office/drawing/2010/main" w="9525">
-                <a:solidFill>
-                  <a:srgbClr val="000000"/>
-                </a:solidFill>
-                <a:miter lim="800000"/>
-                <a:headEnd/>
-                <a:tailEnd/>
-              </a14:hiddenLine>
-            </a:ext>
-          </a:extLst>
-        </p:spPr>
-        <p:txBody>
-          <a:bodyPr wrap="square">
-            <a:spAutoFit/>
-          </a:bodyPr>
-          <a:lstStyle>
-            <a:lvl1pPr>
-              <a:defRPr sz="2400">
-                <a:solidFill>
-                  <a:schemeClr val="tx1"/>
-                </a:solidFill>
-                <a:latin typeface="Times New Roman" pitchFamily="18" charset="0"/>
-              </a:defRPr>
-            </a:lvl1pPr>
-            <a:lvl2pPr marL="742950" indent="-285750">
-              <a:defRPr sz="2400">
-                <a:solidFill>
-                  <a:schemeClr val="tx1"/>
-                </a:solidFill>
-                <a:latin typeface="Times New Roman" pitchFamily="18" charset="0"/>
-              </a:defRPr>
-            </a:lvl2pPr>
-            <a:lvl3pPr marL="1143000" indent="-228600">
-              <a:defRPr sz="2400">
-                <a:solidFill>
-                  <a:schemeClr val="tx1"/>
-                </a:solidFill>
-                <a:latin typeface="Times New Roman" pitchFamily="18" charset="0"/>
-              </a:defRPr>
-            </a:lvl3pPr>
-            <a:lvl4pPr marL="1600200" indent="-228600">
-              <a:defRPr sz="2400">
-                <a:solidFill>
-                  <a:schemeClr val="tx1"/>
-                </a:solidFill>
-                <a:latin typeface="Times New Roman" pitchFamily="18" charset="0"/>
-              </a:defRPr>
-            </a:lvl4pPr>
-            <a:lvl5pPr marL="2057400" indent="-228600">
-              <a:defRPr sz="2400">
-                <a:solidFill>
-                  <a:schemeClr val="tx1"/>
-                </a:solidFill>
-                <a:latin typeface="Times New Roman" pitchFamily="18" charset="0"/>
-              </a:defRPr>
-            </a:lvl5pPr>
-            <a:lvl6pPr marL="2514600" indent="-228600" eaLnBrk="0" fontAlgn="base" hangingPunct="0">
-              <a:spcBef>
-                <a:spcPct val="0"/>
-              </a:spcBef>
-              <a:spcAft>
-                <a:spcPct val="0"/>
-              </a:spcAft>
-              <a:defRPr sz="2400">
-                <a:solidFill>
-                  <a:schemeClr val="tx1"/>
-                </a:solidFill>
-                <a:latin typeface="Times New Roman" pitchFamily="18" charset="0"/>
-              </a:defRPr>
-            </a:lvl6pPr>
-            <a:lvl7pPr marL="2971800" indent="-228600" eaLnBrk="0" fontAlgn="base" hangingPunct="0">
-              <a:spcBef>
-                <a:spcPct val="0"/>
-              </a:spcBef>
-              <a:spcAft>
-                <a:spcPct val="0"/>
-              </a:spcAft>
-              <a:defRPr sz="2400">
-                <a:solidFill>
-                  <a:schemeClr val="tx1"/>
-                </a:solidFill>
-                <a:latin typeface="Times New Roman" pitchFamily="18" charset="0"/>
-              </a:defRPr>
-            </a:lvl7pPr>
-            <a:lvl8pPr marL="3429000" indent="-228600" eaLnBrk="0" fontAlgn="base" hangingPunct="0">
-              <a:spcBef>
-                <a:spcPct val="0"/>
-              </a:spcBef>
-              <a:spcAft>
-                <a:spcPct val="0"/>
-              </a:spcAft>
-              <a:defRPr sz="2400">
-                <a:solidFill>
-                  <a:schemeClr val="tx1"/>
-                </a:solidFill>
-                <a:latin typeface="Times New Roman" pitchFamily="18" charset="0"/>
-              </a:defRPr>
-            </a:lvl8pPr>
-            <a:lvl9pPr marL="3886200" indent="-228600" eaLnBrk="0" fontAlgn="base" hangingPunct="0">
-              <a:spcBef>
-                <a:spcPct val="0"/>
-              </a:spcBef>
-              <a:spcAft>
-                <a:spcPct val="0"/>
-              </a:spcAft>
-              <a:defRPr sz="2400">
-                <a:solidFill>
-                  <a:schemeClr val="tx1"/>
-                </a:solidFill>
-                <a:latin typeface="Times New Roman" pitchFamily="18" charset="0"/>
-              </a:defRPr>
-            </a:lvl9pPr>
-          </a:lstStyle>
-          <a:p>
-            <a:pPr algn="just">
-              <a:lnSpc>
-                <a:spcPct val="150000"/>
-              </a:lnSpc>
-              <a:spcBef>
-                <a:spcPct val="50000"/>
-              </a:spcBef>
-            </a:pPr>
-            <a:r>
-              <a:rPr lang="es-MX" sz="2000" dirty="0">
-                <a:solidFill>
-                  <a:schemeClr val="bg2">
-                    <a:lumMod val="25000"/>
-                  </a:schemeClr>
-                </a:solidFill>
-                <a:latin typeface="+mn-lt"/>
-                <a:cs typeface="Arial" pitchFamily="34" charset="0"/>
-              </a:rPr>
-              <a:t>La solución: </a:t>
-            </a:r>
-            <a:r>
-              <a:rPr lang="es-MX" sz="2000" b="1" dirty="0">
-                <a:solidFill>
-                  <a:schemeClr val="accent6">
-                    <a:lumMod val="75000"/>
-                  </a:schemeClr>
-                </a:solidFill>
-                <a:latin typeface="+mn-lt"/>
-                <a:cs typeface="Arial" pitchFamily="34" charset="0"/>
-              </a:rPr>
-              <a:t>El modelo OSI</a:t>
-            </a:r>
-          </a:p>
-          <a:p>
-            <a:pPr algn="just">
-              <a:lnSpc>
-                <a:spcPct val="150000"/>
-              </a:lnSpc>
-              <a:spcBef>
-                <a:spcPct val="50000"/>
-              </a:spcBef>
-            </a:pPr>
-            <a:r>
-              <a:rPr lang="es-MX" sz="2000" dirty="0">
-                <a:solidFill>
-                  <a:schemeClr val="bg2">
-                    <a:lumMod val="25000"/>
-                  </a:schemeClr>
-                </a:solidFill>
-                <a:latin typeface="+mn-lt"/>
-                <a:cs typeface="Arial" pitchFamily="34" charset="0"/>
-              </a:rPr>
-              <a:t>La </a:t>
-            </a:r>
-            <a:r>
-              <a:rPr lang="es-MX" sz="2000" b="1" dirty="0">
-                <a:solidFill>
-                  <a:schemeClr val="bg2">
-                    <a:lumMod val="25000"/>
-                  </a:schemeClr>
-                </a:solidFill>
-                <a:latin typeface="+mn-lt"/>
-                <a:cs typeface="Arial" pitchFamily="34" charset="0"/>
-              </a:rPr>
-              <a:t>Organización Internacional para la Normalización (ISO) </a:t>
-            </a:r>
-            <a:r>
-              <a:rPr lang="es-MX" sz="2000" dirty="0">
-                <a:solidFill>
-                  <a:schemeClr val="bg2">
-                    <a:lumMod val="25000"/>
-                  </a:schemeClr>
-                </a:solidFill>
-                <a:latin typeface="+mn-lt"/>
-                <a:cs typeface="Arial" pitchFamily="34" charset="0"/>
-              </a:rPr>
-              <a:t>creó en 1984 el modelo de referencia OSI (Open </a:t>
-            </a:r>
-            <a:r>
-              <a:rPr lang="es-MX" sz="2000" dirty="0" err="1">
-                <a:solidFill>
-                  <a:schemeClr val="bg2">
-                    <a:lumMod val="25000"/>
-                  </a:schemeClr>
-                </a:solidFill>
-                <a:latin typeface="+mn-lt"/>
-                <a:cs typeface="Arial" pitchFamily="34" charset="0"/>
-              </a:rPr>
-              <a:t>System</a:t>
-            </a:r>
-            <a:r>
-              <a:rPr lang="es-MX" sz="2000" dirty="0">
-                <a:solidFill>
-                  <a:schemeClr val="bg2">
-                    <a:lumMod val="25000"/>
-                  </a:schemeClr>
-                </a:solidFill>
-                <a:latin typeface="+mn-lt"/>
-                <a:cs typeface="Arial" pitchFamily="34" charset="0"/>
-              </a:rPr>
-              <a:t> </a:t>
-            </a:r>
-            <a:r>
-              <a:rPr lang="es-MX" sz="2000" dirty="0" err="1">
-                <a:solidFill>
-                  <a:schemeClr val="bg2">
-                    <a:lumMod val="25000"/>
-                  </a:schemeClr>
-                </a:solidFill>
-                <a:latin typeface="+mn-lt"/>
-                <a:cs typeface="Arial" pitchFamily="34" charset="0"/>
-              </a:rPr>
-              <a:t>Interconnected</a:t>
-            </a:r>
-            <a:r>
-              <a:rPr lang="es-MX" sz="2000" dirty="0">
-                <a:solidFill>
-                  <a:schemeClr val="bg2">
-                    <a:lumMod val="25000"/>
-                  </a:schemeClr>
-                </a:solidFill>
-                <a:latin typeface="+mn-lt"/>
-                <a:cs typeface="Arial" pitchFamily="34" charset="0"/>
-              </a:rPr>
-              <a:t>)</a:t>
-            </a:r>
-          </a:p>
-        </p:txBody>
-      </p:sp>
-      <p:sp>
-        <p:nvSpPr>
-          <p:cNvPr id="7" name="Rectangle 2"/>
-          <p:cNvSpPr txBox="1">
-            <a:spLocks noChangeArrowheads="1"/>
-          </p:cNvSpPr>
-          <p:nvPr/>
-        </p:nvSpPr>
-        <p:spPr>
-          <a:xfrm>
-            <a:off x="72008" y="116632"/>
-            <a:ext cx="8964488" cy="1143000"/>
-          </a:xfrm>
-          <a:prstGeom prst="rect">
-            <a:avLst/>
-          </a:prstGeom>
-        </p:spPr>
-        <p:txBody>
-          <a:bodyPr vert="horz" lIns="92075" tIns="46038" rIns="92075" bIns="46038" rtlCol="0" anchor="ctr">
-            <a:noAutofit/>
-          </a:bodyPr>
-          <a:lstStyle>
-            <a:lvl1pPr algn="ctr" defTabSz="914400" rtl="0" eaLnBrk="1" latinLnBrk="0" hangingPunct="1">
-              <a:spcBef>
-                <a:spcPct val="0"/>
-              </a:spcBef>
-              <a:buNone/>
-              <a:defRPr sz="4400" kern="1200">
-                <a:solidFill>
-                  <a:schemeClr val="tx1"/>
-                </a:solidFill>
-                <a:latin typeface="+mj-lt"/>
-                <a:ea typeface="+mj-ea"/>
-                <a:cs typeface="+mj-cs"/>
-              </a:defRPr>
-            </a:lvl1pPr>
-          </a:lstStyle>
-          <a:p>
-            <a:pPr>
-              <a:defRPr/>
-            </a:pPr>
-            <a:r>
-              <a:rPr lang="es-ES_tradnl" sz="3600" dirty="0">
-                <a:solidFill>
-                  <a:srgbClr val="3333CC"/>
-                </a:solidFill>
-                <a:effectLst>
-                  <a:outerShdw blurRad="38100" dist="38100" dir="2700000" algn="tl">
-                    <a:srgbClr val="C0C0C0"/>
-                  </a:outerShdw>
-                </a:effectLst>
-                <a:latin typeface="Dom Casual" charset="0"/>
-              </a:rPr>
-              <a:t> </a:t>
-            </a:r>
-            <a:r>
-              <a:rPr lang="es-ES_tradnl" sz="3600" b="1" dirty="0">
-                <a:solidFill>
-                  <a:schemeClr val="accent4">
-                    <a:lumMod val="50000"/>
-                  </a:schemeClr>
-                </a:solidFill>
-                <a:effectLst>
-                  <a:outerShdw blurRad="38100" dist="38100" dir="2700000" algn="tl">
-                    <a:srgbClr val="C0C0C0"/>
-                  </a:outerShdw>
-                </a:effectLst>
-                <a:latin typeface="Dom Casual" charset="0"/>
-              </a:rPr>
-              <a:t>El Modelo OSI</a:t>
-            </a:r>
-          </a:p>
-        </p:txBody>
-      </p:sp>
-    </p:spTree>
-    <p:extLst>
-      <p:ext uri="{BB962C8B-B14F-4D97-AF65-F5344CB8AC3E}">
-        <p14:creationId xmlns:p14="http://schemas.microsoft.com/office/powerpoint/2010/main" val="976797607"/>
-      </p:ext>
-    </p:extLst>
-  </p:cSld>
-  <p:clrMapOvr>
-    <a:masterClrMapping/>
-  </p:clrMapOvr>
-  <p:timing>
-    <p:tnLst>
-      <p:par>
-        <p:cTn id="1" dur="indefinite" restart="never" nodeType="tmRoot">
-          <p:childTnLst>
-            <p:seq concurrent="1" nextAc="seek">
-              <p:cTn id="2" dur="indefinite" nodeType="mainSeq">
-                <p:childTnLst>
-                  <p:par>
-                    <p:cTn id="3" fill="hold" nodeType="clickPar">
-                      <p:stCondLst>
-                        <p:cond delay="indefinite"/>
-                      </p:stCondLst>
-                      <p:childTnLst>
-                        <p:par>
-                          <p:cTn id="4" fill="hold" nodeType="withGroup">
-                            <p:stCondLst>
-                              <p:cond delay="0"/>
-                            </p:stCondLst>
-                            <p:childTnLst>
-                              <p:par>
-                                <p:cTn id="5" presetID="1" presetClass="entr" presetSubtype="0" fill="hold" grpId="0" nodeType="clickEffect">
-                                  <p:stCondLst>
-                                    <p:cond delay="0"/>
-                                  </p:stCondLst>
-                                  <p:childTnLst>
-                                    <p:set>
-                                      <p:cBhvr>
-                                        <p:cTn id="6" dur="1" fill="hold">
-                                          <p:stCondLst>
-                                            <p:cond delay="0"/>
-                                          </p:stCondLst>
-                                        </p:cTn>
-                                        <p:tgtEl>
-                                          <p:spTgt spid="4101"/>
-                                        </p:tgtEl>
-                                        <p:attrNameLst>
-                                          <p:attrName>style.visibility</p:attrName>
-                                        </p:attrNameLst>
-                                      </p:cBhvr>
-                                      <p:to>
-                                        <p:strVal val="visible"/>
-                                      </p:to>
-                                    </p:set>
-                                  </p:childTnLst>
-                                </p:cTn>
-                              </p:par>
-                            </p:childTnLst>
-                          </p:cTn>
-                        </p:par>
-                      </p:childTnLst>
-                    </p:cTn>
-                  </p:par>
-                  <p:par>
-                    <p:cTn id="7" fill="hold">
-                      <p:stCondLst>
-                        <p:cond delay="indefinite"/>
-                      </p:stCondLst>
-                      <p:childTnLst>
-                        <p:par>
-                          <p:cTn id="8" fill="hold">
-                            <p:stCondLst>
-                              <p:cond delay="0"/>
-                            </p:stCondLst>
-                            <p:childTnLst>
-                              <p:par>
-                                <p:cTn id="9" presetID="4" presetClass="entr" presetSubtype="16" fill="hold" grpId="0" nodeType="clickEffect">
-                                  <p:stCondLst>
-                                    <p:cond delay="0"/>
-                                  </p:stCondLst>
-                                  <p:childTnLst>
-                                    <p:set>
-                                      <p:cBhvr>
-                                        <p:cTn id="10" dur="1" fill="hold">
-                                          <p:stCondLst>
-                                            <p:cond delay="0"/>
-                                          </p:stCondLst>
-                                        </p:cTn>
-                                        <p:tgtEl>
-                                          <p:spTgt spid="3076"/>
-                                        </p:tgtEl>
-                                        <p:attrNameLst>
-                                          <p:attrName>style.visibility</p:attrName>
-                                        </p:attrNameLst>
-                                      </p:cBhvr>
-                                      <p:to>
-                                        <p:strVal val="visible"/>
-                                      </p:to>
-                                    </p:set>
-                                    <p:animEffect transition="in" filter="box(in)">
-                                      <p:cBhvr>
-                                        <p:cTn id="11" dur="2000"/>
-                                        <p:tgtEl>
-                                          <p:spTgt spid="3076"/>
-                                        </p:tgtEl>
-                                      </p:cBhvr>
-                                    </p:animEffect>
-                                  </p:childTnLst>
-                                </p:cTn>
-                              </p:par>
-                            </p:childTnLst>
-                          </p:cTn>
-                        </p:par>
-                      </p:childTnLst>
-                    </p:cTn>
-                  </p:par>
-                  <p:par>
-                    <p:cTn id="12" fill="hold" nodeType="clickPar">
-                      <p:stCondLst>
-                        <p:cond delay="indefinite"/>
-                      </p:stCondLst>
-                      <p:childTnLst>
-                        <p:par>
-                          <p:cTn id="13" fill="hold" nodeType="withGroup">
-                            <p:stCondLst>
-                              <p:cond delay="0"/>
-                            </p:stCondLst>
-                            <p:childTnLst>
-                              <p:par>
-                                <p:cTn id="14" presetID="4" presetClass="entr" presetSubtype="16" fill="hold" grpId="0" nodeType="clickEffect">
-                                  <p:stCondLst>
-                                    <p:cond delay="0"/>
-                                  </p:stCondLst>
-                                  <p:childTnLst>
-                                    <p:set>
-                                      <p:cBhvr>
-                                        <p:cTn id="15" dur="1" fill="hold">
-                                          <p:stCondLst>
-                                            <p:cond delay="0"/>
-                                          </p:stCondLst>
-                                        </p:cTn>
-                                        <p:tgtEl>
-                                          <p:spTgt spid="6"/>
-                                        </p:tgtEl>
-                                        <p:attrNameLst>
-                                          <p:attrName>style.visibility</p:attrName>
-                                        </p:attrNameLst>
-                                      </p:cBhvr>
-                                      <p:to>
-                                        <p:strVal val="visible"/>
-                                      </p:to>
-                                    </p:set>
-                                    <p:animEffect transition="in" filter="box(in)">
-                                      <p:cBhvr>
-                                        <p:cTn id="16" dur="2000"/>
-                                        <p:tgtEl>
-                                          <p:spTgt spid="6"/>
-                                        </p:tgtEl>
-                                      </p:cBhvr>
-                                    </p:animEffect>
-                                  </p:childTnLst>
-                                </p:cTn>
-                              </p:par>
-                            </p:childTnLst>
-                          </p:cTn>
-                        </p:par>
-                      </p:childTnLst>
-                    </p:cTn>
-                  </p:par>
-                </p:childTnLst>
-              </p:cTn>
-              <p:prevCondLst>
-                <p:cond evt="onPrev" delay="0">
-                  <p:tgtEl>
-                    <p:sldTgt/>
-                  </p:tgtEl>
-                </p:cond>
-              </p:prevCondLst>
-              <p:nextCondLst>
-                <p:cond evt="onNext" delay="0">
-                  <p:tgtEl>
-                    <p:sldTgt/>
-                  </p:tgtEl>
-                </p:cond>
-              </p:nextCondLst>
-            </p:seq>
-          </p:childTnLst>
-        </p:cTn>
-      </p:par>
-    </p:tnLst>
-    <p:bldLst>
-      <p:bldP spid="3076" grpId="0"/>
-      <p:bldP spid="4101" grpId="0"/>
-      <p:bldP spid="6" grpId="0"/>
-    </p:bldLst>
-  </p:timing>
-</p:sld>
-</file>
-
-<file path=ppt/slides/slide30.xml><?xml version="1.0" encoding="utf-8"?>
-<p:sld xmlns:a="http://schemas.openxmlformats.org/drawingml/2006/main" xmlns:r="http://schemas.openxmlformats.org/officeDocument/2006/relationships" xmlns:p="http://schemas.openxmlformats.org/presentationml/2006/main">
-  <p:cSld>
-    <p:spTree>
-      <p:nvGrpSpPr>
-        <p:cNvPr id="1" name=""/>
-        <p:cNvGrpSpPr/>
-        <p:nvPr/>
-      </p:nvGrpSpPr>
-      <p:grpSpPr>
-        <a:xfrm>
-          <a:off x="0" y="0"/>
-          <a:ext cx="0" cy="0"/>
-          <a:chOff x="0" y="0"/>
-          <a:chExt cx="0" cy="0"/>
-        </a:xfrm>
-      </p:grpSpPr>
       <p:sp>
         <p:nvSpPr>
           <p:cNvPr id="13316" name="Text Box 3"/>
@@ -25108,7 +22902,7 @@
                 </a:solidFill>
                 <a:latin typeface="+mn-lt"/>
               </a:rPr>
-              <a:t>Cables</a:t>
+              <a:t>cables</a:t>
             </a:r>
             <a:r>
               <a:rPr lang="es-MX" sz="1900" dirty="0">
@@ -25727,7 +23521,7 @@
         </p:blipFill>
         <p:spPr>
           <a:xfrm>
-            <a:off x="4355976" y="5146699"/>
+            <a:off x="4427984" y="5157192"/>
             <a:ext cx="3672408" cy="1357194"/>
           </a:xfrm>
           <a:prstGeom prst="rect">
@@ -25972,7 +23766,1060 @@
 </p:sld>
 </file>
 
-<file path=ppt/slides/slide31.xml><?xml version="1.0" encoding="utf-8"?>
+<file path=ppt/slides/slide3.xml><?xml version="1.0" encoding="utf-8"?>
+<p:sld xmlns:a="http://schemas.openxmlformats.org/drawingml/2006/main" xmlns:r="http://schemas.openxmlformats.org/officeDocument/2006/relationships" xmlns:p="http://schemas.openxmlformats.org/presentationml/2006/main">
+  <p:cSld>
+    <p:spTree>
+      <p:nvGrpSpPr>
+        <p:cNvPr id="1" name=""/>
+        <p:cNvGrpSpPr/>
+        <p:nvPr/>
+      </p:nvGrpSpPr>
+      <p:grpSpPr>
+        <a:xfrm>
+          <a:off x="0" y="0"/>
+          <a:ext cx="0" cy="0"/>
+          <a:chOff x="0" y="0"/>
+          <a:chExt cx="0" cy="0"/>
+        </a:xfrm>
+      </p:grpSpPr>
+      <p:graphicFrame>
+        <p:nvGraphicFramePr>
+          <p:cNvPr id="4099" name="Object 3"/>
+          <p:cNvGraphicFramePr>
+            <a:graphicFrameLocks noChangeAspect="1"/>
+          </p:cNvGraphicFramePr>
+          <p:nvPr>
+            <p:extLst>
+              <p:ext uri="{D42A27DB-BD31-4B8C-83A1-F6EECF244321}">
+                <p14:modId xmlns:p14="http://schemas.microsoft.com/office/powerpoint/2010/main" val="3912553987"/>
+              </p:ext>
+            </p:extLst>
+          </p:nvPr>
+        </p:nvGraphicFramePr>
+        <p:xfrm>
+          <a:off x="6804248" y="2282488"/>
+          <a:ext cx="1952625" cy="3594784"/>
+        </p:xfrm>
+        <a:graphic>
+          <a:graphicData uri="http://schemas.openxmlformats.org/presentationml/2006/ole">
+            <mc:AlternateContent xmlns:mc="http://schemas.openxmlformats.org/markup-compatibility/2006">
+              <mc:Choice xmlns:v="urn:schemas-microsoft-com:vml" Requires="v">
+                <p:oleObj name="Bitmap Image" r:id="rId2" imgW="1685950" imgH="2590983" progId="Paint.Picture">
+                  <p:embed/>
+                </p:oleObj>
+              </mc:Choice>
+              <mc:Fallback>
+                <p:oleObj name="Bitmap Image" r:id="rId2" imgW="1685950" imgH="2590983" progId="Paint.Picture">
+                  <p:embed/>
+                  <p:pic>
+                    <p:nvPicPr>
+                      <p:cNvPr id="0" name=""/>
+                      <p:cNvPicPr>
+                        <a:picLocks noChangeAspect="1" noChangeArrowheads="1"/>
+                      </p:cNvPicPr>
+                      <p:nvPr/>
+                    </p:nvPicPr>
+                    <p:blipFill>
+                      <a:blip r:embed="rId3">
+                        <a:extLst>
+                          <a:ext uri="{28A0092B-C50C-407E-A947-70E740481C1C}">
+                            <a14:useLocalDpi xmlns:a14="http://schemas.microsoft.com/office/drawing/2010/main" val="0"/>
+                          </a:ext>
+                        </a:extLst>
+                      </a:blip>
+                      <a:srcRect/>
+                      <a:stretch>
+                        <a:fillRect/>
+                      </a:stretch>
+                    </p:blipFill>
+                    <p:spPr bwMode="auto">
+                      <a:xfrm>
+                        <a:off x="6804248" y="2282488"/>
+                        <a:ext cx="1952625" cy="3594784"/>
+                      </a:xfrm>
+                      <a:prstGeom prst="rect">
+                        <a:avLst/>
+                      </a:prstGeom>
+                      <a:noFill/>
+                      <a:ln>
+                        <a:noFill/>
+                      </a:ln>
+                      <a:effectLst/>
+                    </p:spPr>
+                  </p:pic>
+                </p:oleObj>
+              </mc:Fallback>
+            </mc:AlternateContent>
+          </a:graphicData>
+        </a:graphic>
+      </p:graphicFrame>
+      <p:sp>
+        <p:nvSpPr>
+          <p:cNvPr id="3076" name="Text Box 4"/>
+          <p:cNvSpPr txBox="1">
+            <a:spLocks noChangeArrowheads="1"/>
+          </p:cNvSpPr>
+          <p:nvPr/>
+        </p:nvSpPr>
+        <p:spPr bwMode="auto">
+          <a:xfrm>
+            <a:off x="714375" y="2071688"/>
+            <a:ext cx="5357813" cy="1938992"/>
+          </a:xfrm>
+          <a:prstGeom prst="rect">
+            <a:avLst/>
+          </a:prstGeom>
+          <a:noFill/>
+          <a:ln>
+            <a:noFill/>
+          </a:ln>
+          <a:extLst>
+            <a:ext uri="{909E8E84-426E-40DD-AFC4-6F175D3DCCD1}">
+              <a14:hiddenFill xmlns:a14="http://schemas.microsoft.com/office/drawing/2010/main">
+                <a:solidFill>
+                  <a:srgbClr val="FFFFFF"/>
+                </a:solidFill>
+              </a14:hiddenFill>
+            </a:ext>
+            <a:ext uri="{91240B29-F687-4F45-9708-019B960494DF}">
+              <a14:hiddenLine xmlns:a14="http://schemas.microsoft.com/office/drawing/2010/main" w="9525">
+                <a:solidFill>
+                  <a:srgbClr val="000000"/>
+                </a:solidFill>
+                <a:miter lim="800000"/>
+                <a:headEnd/>
+                <a:tailEnd/>
+              </a14:hiddenLine>
+            </a:ext>
+          </a:extLst>
+        </p:spPr>
+        <p:txBody>
+          <a:bodyPr>
+            <a:spAutoFit/>
+          </a:bodyPr>
+          <a:lstStyle>
+            <a:lvl1pPr>
+              <a:defRPr sz="2400">
+                <a:solidFill>
+                  <a:schemeClr val="tx1"/>
+                </a:solidFill>
+                <a:latin typeface="Times New Roman" pitchFamily="18" charset="0"/>
+              </a:defRPr>
+            </a:lvl1pPr>
+            <a:lvl2pPr marL="742950" indent="-285750">
+              <a:defRPr sz="2400">
+                <a:solidFill>
+                  <a:schemeClr val="tx1"/>
+                </a:solidFill>
+                <a:latin typeface="Times New Roman" pitchFamily="18" charset="0"/>
+              </a:defRPr>
+            </a:lvl2pPr>
+            <a:lvl3pPr marL="1143000" indent="-228600">
+              <a:defRPr sz="2400">
+                <a:solidFill>
+                  <a:schemeClr val="tx1"/>
+                </a:solidFill>
+                <a:latin typeface="Times New Roman" pitchFamily="18" charset="0"/>
+              </a:defRPr>
+            </a:lvl3pPr>
+            <a:lvl4pPr marL="1600200" indent="-228600">
+              <a:defRPr sz="2400">
+                <a:solidFill>
+                  <a:schemeClr val="tx1"/>
+                </a:solidFill>
+                <a:latin typeface="Times New Roman" pitchFamily="18" charset="0"/>
+              </a:defRPr>
+            </a:lvl4pPr>
+            <a:lvl5pPr marL="2057400" indent="-228600">
+              <a:defRPr sz="2400">
+                <a:solidFill>
+                  <a:schemeClr val="tx1"/>
+                </a:solidFill>
+                <a:latin typeface="Times New Roman" pitchFamily="18" charset="0"/>
+              </a:defRPr>
+            </a:lvl5pPr>
+            <a:lvl6pPr marL="2514600" indent="-228600" eaLnBrk="0" fontAlgn="base" hangingPunct="0">
+              <a:spcBef>
+                <a:spcPct val="0"/>
+              </a:spcBef>
+              <a:spcAft>
+                <a:spcPct val="0"/>
+              </a:spcAft>
+              <a:defRPr sz="2400">
+                <a:solidFill>
+                  <a:schemeClr val="tx1"/>
+                </a:solidFill>
+                <a:latin typeface="Times New Roman" pitchFamily="18" charset="0"/>
+              </a:defRPr>
+            </a:lvl6pPr>
+            <a:lvl7pPr marL="2971800" indent="-228600" eaLnBrk="0" fontAlgn="base" hangingPunct="0">
+              <a:spcBef>
+                <a:spcPct val="0"/>
+              </a:spcBef>
+              <a:spcAft>
+                <a:spcPct val="0"/>
+              </a:spcAft>
+              <a:defRPr sz="2400">
+                <a:solidFill>
+                  <a:schemeClr val="tx1"/>
+                </a:solidFill>
+                <a:latin typeface="Times New Roman" pitchFamily="18" charset="0"/>
+              </a:defRPr>
+            </a:lvl7pPr>
+            <a:lvl8pPr marL="3429000" indent="-228600" eaLnBrk="0" fontAlgn="base" hangingPunct="0">
+              <a:spcBef>
+                <a:spcPct val="0"/>
+              </a:spcBef>
+              <a:spcAft>
+                <a:spcPct val="0"/>
+              </a:spcAft>
+              <a:defRPr sz="2400">
+                <a:solidFill>
+                  <a:schemeClr val="tx1"/>
+                </a:solidFill>
+                <a:latin typeface="Times New Roman" pitchFamily="18" charset="0"/>
+              </a:defRPr>
+            </a:lvl8pPr>
+            <a:lvl9pPr marL="3886200" indent="-228600" eaLnBrk="0" fontAlgn="base" hangingPunct="0">
+              <a:spcBef>
+                <a:spcPct val="0"/>
+              </a:spcBef>
+              <a:spcAft>
+                <a:spcPct val="0"/>
+              </a:spcAft>
+              <a:defRPr sz="2400">
+                <a:solidFill>
+                  <a:schemeClr val="tx1"/>
+                </a:solidFill>
+                <a:latin typeface="Times New Roman" pitchFamily="18" charset="0"/>
+              </a:defRPr>
+            </a:lvl9pPr>
+          </a:lstStyle>
+          <a:p>
+            <a:pPr algn="just">
+              <a:lnSpc>
+                <a:spcPct val="150000"/>
+              </a:lnSpc>
+              <a:spcBef>
+                <a:spcPct val="50000"/>
+              </a:spcBef>
+            </a:pPr>
+            <a:r>
+              <a:rPr lang="es-MX" sz="2000" dirty="0">
+                <a:solidFill>
+                  <a:schemeClr val="bg2">
+                    <a:lumMod val="25000"/>
+                  </a:schemeClr>
+                </a:solidFill>
+                <a:latin typeface="+mn-lt"/>
+                <a:cs typeface="Arial" pitchFamily="34" charset="0"/>
+              </a:rPr>
+              <a:t>El modelo </a:t>
+            </a:r>
+            <a:r>
+              <a:rPr lang="es-MX" sz="2000" b="1" dirty="0">
+                <a:solidFill>
+                  <a:schemeClr val="accent6">
+                    <a:lumMod val="75000"/>
+                  </a:schemeClr>
+                </a:solidFill>
+                <a:latin typeface="+mn-lt"/>
+                <a:cs typeface="Arial" pitchFamily="34" charset="0"/>
+              </a:rPr>
+              <a:t>OSI</a:t>
+            </a:r>
+            <a:r>
+              <a:rPr lang="es-MX" sz="2000" dirty="0">
+                <a:solidFill>
+                  <a:schemeClr val="bg2">
+                    <a:lumMod val="25000"/>
+                  </a:schemeClr>
+                </a:solidFill>
+                <a:latin typeface="+mn-lt"/>
+                <a:cs typeface="Arial" pitchFamily="34" charset="0"/>
+              </a:rPr>
+              <a:t>, surge como una respuesta a la necesidad de </a:t>
+            </a:r>
+            <a:r>
+              <a:rPr lang="es-MX" sz="2000" u="sng" dirty="0">
+                <a:solidFill>
+                  <a:schemeClr val="bg2">
+                    <a:lumMod val="25000"/>
+                  </a:schemeClr>
+                </a:solidFill>
+                <a:latin typeface="+mn-lt"/>
+                <a:cs typeface="Arial" pitchFamily="34" charset="0"/>
+              </a:rPr>
+              <a:t>interconexión de equipos de informática de diferentes fabricantes</a:t>
+            </a:r>
+            <a:r>
+              <a:rPr lang="es-MX" sz="2000" dirty="0">
+                <a:solidFill>
+                  <a:schemeClr val="bg2">
+                    <a:lumMod val="25000"/>
+                  </a:schemeClr>
+                </a:solidFill>
+                <a:latin typeface="+mn-lt"/>
+                <a:cs typeface="Arial" pitchFamily="34" charset="0"/>
+              </a:rPr>
+              <a:t> para comunicarse entre sí con éxito en una red.  </a:t>
+            </a:r>
+          </a:p>
+        </p:txBody>
+      </p:sp>
+      <p:sp>
+        <p:nvSpPr>
+          <p:cNvPr id="4101" name="8 CuadroTexto"/>
+          <p:cNvSpPr txBox="1">
+            <a:spLocks noChangeArrowheads="1"/>
+          </p:cNvSpPr>
+          <p:nvPr/>
+        </p:nvSpPr>
+        <p:spPr bwMode="auto">
+          <a:xfrm>
+            <a:off x="714375" y="1428750"/>
+            <a:ext cx="5786438" cy="461963"/>
+          </a:xfrm>
+          <a:prstGeom prst="rect">
+            <a:avLst/>
+          </a:prstGeom>
+          <a:noFill/>
+          <a:ln>
+            <a:noFill/>
+          </a:ln>
+          <a:extLst>
+            <a:ext uri="{909E8E84-426E-40DD-AFC4-6F175D3DCCD1}">
+              <a14:hiddenFill xmlns:a14="http://schemas.microsoft.com/office/drawing/2010/main">
+                <a:solidFill>
+                  <a:srgbClr val="FFFFFF"/>
+                </a:solidFill>
+              </a14:hiddenFill>
+            </a:ext>
+            <a:ext uri="{91240B29-F687-4F45-9708-019B960494DF}">
+              <a14:hiddenLine xmlns:a14="http://schemas.microsoft.com/office/drawing/2010/main" w="9525">
+                <a:solidFill>
+                  <a:srgbClr val="000000"/>
+                </a:solidFill>
+                <a:miter lim="800000"/>
+                <a:headEnd/>
+                <a:tailEnd/>
+              </a14:hiddenLine>
+            </a:ext>
+          </a:extLst>
+        </p:spPr>
+        <p:txBody>
+          <a:bodyPr>
+            <a:spAutoFit/>
+          </a:bodyPr>
+          <a:lstStyle>
+            <a:lvl1pPr>
+              <a:defRPr sz="2400">
+                <a:solidFill>
+                  <a:schemeClr val="tx1"/>
+                </a:solidFill>
+                <a:latin typeface="Times New Roman" pitchFamily="18" charset="0"/>
+              </a:defRPr>
+            </a:lvl1pPr>
+            <a:lvl2pPr marL="742950" indent="-285750">
+              <a:defRPr sz="2400">
+                <a:solidFill>
+                  <a:schemeClr val="tx1"/>
+                </a:solidFill>
+                <a:latin typeface="Times New Roman" pitchFamily="18" charset="0"/>
+              </a:defRPr>
+            </a:lvl2pPr>
+            <a:lvl3pPr marL="1143000" indent="-228600">
+              <a:defRPr sz="2400">
+                <a:solidFill>
+                  <a:schemeClr val="tx1"/>
+                </a:solidFill>
+                <a:latin typeface="Times New Roman" pitchFamily="18" charset="0"/>
+              </a:defRPr>
+            </a:lvl3pPr>
+            <a:lvl4pPr marL="1600200" indent="-228600">
+              <a:defRPr sz="2400">
+                <a:solidFill>
+                  <a:schemeClr val="tx1"/>
+                </a:solidFill>
+                <a:latin typeface="Times New Roman" pitchFamily="18" charset="0"/>
+              </a:defRPr>
+            </a:lvl4pPr>
+            <a:lvl5pPr marL="2057400" indent="-228600">
+              <a:defRPr sz="2400">
+                <a:solidFill>
+                  <a:schemeClr val="tx1"/>
+                </a:solidFill>
+                <a:latin typeface="Times New Roman" pitchFamily="18" charset="0"/>
+              </a:defRPr>
+            </a:lvl5pPr>
+            <a:lvl6pPr marL="2514600" indent="-228600" eaLnBrk="0" fontAlgn="base" hangingPunct="0">
+              <a:spcBef>
+                <a:spcPct val="0"/>
+              </a:spcBef>
+              <a:spcAft>
+                <a:spcPct val="0"/>
+              </a:spcAft>
+              <a:defRPr sz="2400">
+                <a:solidFill>
+                  <a:schemeClr val="tx1"/>
+                </a:solidFill>
+                <a:latin typeface="Times New Roman" pitchFamily="18" charset="0"/>
+              </a:defRPr>
+            </a:lvl6pPr>
+            <a:lvl7pPr marL="2971800" indent="-228600" eaLnBrk="0" fontAlgn="base" hangingPunct="0">
+              <a:spcBef>
+                <a:spcPct val="0"/>
+              </a:spcBef>
+              <a:spcAft>
+                <a:spcPct val="0"/>
+              </a:spcAft>
+              <a:defRPr sz="2400">
+                <a:solidFill>
+                  <a:schemeClr val="tx1"/>
+                </a:solidFill>
+                <a:latin typeface="Times New Roman" pitchFamily="18" charset="0"/>
+              </a:defRPr>
+            </a:lvl7pPr>
+            <a:lvl8pPr marL="3429000" indent="-228600" eaLnBrk="0" fontAlgn="base" hangingPunct="0">
+              <a:spcBef>
+                <a:spcPct val="0"/>
+              </a:spcBef>
+              <a:spcAft>
+                <a:spcPct val="0"/>
+              </a:spcAft>
+              <a:defRPr sz="2400">
+                <a:solidFill>
+                  <a:schemeClr val="tx1"/>
+                </a:solidFill>
+                <a:latin typeface="Times New Roman" pitchFamily="18" charset="0"/>
+              </a:defRPr>
+            </a:lvl8pPr>
+            <a:lvl9pPr marL="3886200" indent="-228600" eaLnBrk="0" fontAlgn="base" hangingPunct="0">
+              <a:spcBef>
+                <a:spcPct val="0"/>
+              </a:spcBef>
+              <a:spcAft>
+                <a:spcPct val="0"/>
+              </a:spcAft>
+              <a:defRPr sz="2400">
+                <a:solidFill>
+                  <a:schemeClr val="tx1"/>
+                </a:solidFill>
+                <a:latin typeface="Times New Roman" pitchFamily="18" charset="0"/>
+              </a:defRPr>
+            </a:lvl9pPr>
+          </a:lstStyle>
+          <a:p>
+            <a:r>
+              <a:rPr lang="es-MX" b="1" dirty="0">
+                <a:solidFill>
+                  <a:schemeClr val="accent5">
+                    <a:lumMod val="75000"/>
+                  </a:schemeClr>
+                </a:solidFill>
+                <a:latin typeface="ZapfHumnst BT"/>
+                <a:cs typeface="Arial" pitchFamily="34" charset="0"/>
+              </a:rPr>
+              <a:t>Open </a:t>
+            </a:r>
+            <a:r>
+              <a:rPr lang="es-MX" b="1" dirty="0" err="1">
+                <a:solidFill>
+                  <a:schemeClr val="accent5">
+                    <a:lumMod val="75000"/>
+                  </a:schemeClr>
+                </a:solidFill>
+                <a:latin typeface="ZapfHumnst BT"/>
+                <a:cs typeface="Arial" pitchFamily="34" charset="0"/>
+              </a:rPr>
+              <a:t>System</a:t>
+            </a:r>
+            <a:r>
+              <a:rPr lang="es-MX" b="1" dirty="0">
+                <a:solidFill>
+                  <a:schemeClr val="accent5">
+                    <a:lumMod val="75000"/>
+                  </a:schemeClr>
+                </a:solidFill>
+                <a:latin typeface="ZapfHumnst BT"/>
+                <a:cs typeface="Arial" pitchFamily="34" charset="0"/>
+              </a:rPr>
+              <a:t> </a:t>
+            </a:r>
+            <a:r>
+              <a:rPr lang="es-MX" b="1" dirty="0" err="1">
+                <a:solidFill>
+                  <a:schemeClr val="accent5">
+                    <a:lumMod val="75000"/>
+                  </a:schemeClr>
+                </a:solidFill>
+                <a:latin typeface="ZapfHumnst BT"/>
+                <a:cs typeface="Arial" pitchFamily="34" charset="0"/>
+              </a:rPr>
+              <a:t>Interconnection</a:t>
+            </a:r>
+            <a:r>
+              <a:rPr lang="es-MX" b="1" dirty="0">
+                <a:solidFill>
+                  <a:schemeClr val="accent5">
+                    <a:lumMod val="75000"/>
+                  </a:schemeClr>
+                </a:solidFill>
+                <a:latin typeface="ZapfHumnst BT"/>
+                <a:cs typeface="Arial" pitchFamily="34" charset="0"/>
+              </a:rPr>
+              <a:t> (OSI)</a:t>
+            </a:r>
+          </a:p>
+        </p:txBody>
+      </p:sp>
+      <p:sp>
+        <p:nvSpPr>
+          <p:cNvPr id="6" name="Text Box 4"/>
+          <p:cNvSpPr txBox="1">
+            <a:spLocks noChangeArrowheads="1"/>
+          </p:cNvSpPr>
+          <p:nvPr/>
+        </p:nvSpPr>
+        <p:spPr bwMode="auto">
+          <a:xfrm>
+            <a:off x="714374" y="4174004"/>
+            <a:ext cx="5357814" cy="2092881"/>
+          </a:xfrm>
+          <a:prstGeom prst="rect">
+            <a:avLst/>
+          </a:prstGeom>
+          <a:noFill/>
+          <a:ln>
+            <a:noFill/>
+          </a:ln>
+          <a:extLst>
+            <a:ext uri="{909E8E84-426E-40DD-AFC4-6F175D3DCCD1}">
+              <a14:hiddenFill xmlns:a14="http://schemas.microsoft.com/office/drawing/2010/main">
+                <a:solidFill>
+                  <a:srgbClr val="FFFFFF"/>
+                </a:solidFill>
+              </a14:hiddenFill>
+            </a:ext>
+            <a:ext uri="{91240B29-F687-4F45-9708-019B960494DF}">
+              <a14:hiddenLine xmlns:a14="http://schemas.microsoft.com/office/drawing/2010/main" w="9525">
+                <a:solidFill>
+                  <a:srgbClr val="000000"/>
+                </a:solidFill>
+                <a:miter lim="800000"/>
+                <a:headEnd/>
+                <a:tailEnd/>
+              </a14:hiddenLine>
+            </a:ext>
+          </a:extLst>
+        </p:spPr>
+        <p:txBody>
+          <a:bodyPr wrap="square">
+            <a:spAutoFit/>
+          </a:bodyPr>
+          <a:lstStyle>
+            <a:lvl1pPr>
+              <a:defRPr sz="2400">
+                <a:solidFill>
+                  <a:schemeClr val="tx1"/>
+                </a:solidFill>
+                <a:latin typeface="Times New Roman" pitchFamily="18" charset="0"/>
+              </a:defRPr>
+            </a:lvl1pPr>
+            <a:lvl2pPr marL="742950" indent="-285750">
+              <a:defRPr sz="2400">
+                <a:solidFill>
+                  <a:schemeClr val="tx1"/>
+                </a:solidFill>
+                <a:latin typeface="Times New Roman" pitchFamily="18" charset="0"/>
+              </a:defRPr>
+            </a:lvl2pPr>
+            <a:lvl3pPr marL="1143000" indent="-228600">
+              <a:defRPr sz="2400">
+                <a:solidFill>
+                  <a:schemeClr val="tx1"/>
+                </a:solidFill>
+                <a:latin typeface="Times New Roman" pitchFamily="18" charset="0"/>
+              </a:defRPr>
+            </a:lvl3pPr>
+            <a:lvl4pPr marL="1600200" indent="-228600">
+              <a:defRPr sz="2400">
+                <a:solidFill>
+                  <a:schemeClr val="tx1"/>
+                </a:solidFill>
+                <a:latin typeface="Times New Roman" pitchFamily="18" charset="0"/>
+              </a:defRPr>
+            </a:lvl4pPr>
+            <a:lvl5pPr marL="2057400" indent="-228600">
+              <a:defRPr sz="2400">
+                <a:solidFill>
+                  <a:schemeClr val="tx1"/>
+                </a:solidFill>
+                <a:latin typeface="Times New Roman" pitchFamily="18" charset="0"/>
+              </a:defRPr>
+            </a:lvl5pPr>
+            <a:lvl6pPr marL="2514600" indent="-228600" eaLnBrk="0" fontAlgn="base" hangingPunct="0">
+              <a:spcBef>
+                <a:spcPct val="0"/>
+              </a:spcBef>
+              <a:spcAft>
+                <a:spcPct val="0"/>
+              </a:spcAft>
+              <a:defRPr sz="2400">
+                <a:solidFill>
+                  <a:schemeClr val="tx1"/>
+                </a:solidFill>
+                <a:latin typeface="Times New Roman" pitchFamily="18" charset="0"/>
+              </a:defRPr>
+            </a:lvl6pPr>
+            <a:lvl7pPr marL="2971800" indent="-228600" eaLnBrk="0" fontAlgn="base" hangingPunct="0">
+              <a:spcBef>
+                <a:spcPct val="0"/>
+              </a:spcBef>
+              <a:spcAft>
+                <a:spcPct val="0"/>
+              </a:spcAft>
+              <a:defRPr sz="2400">
+                <a:solidFill>
+                  <a:schemeClr val="tx1"/>
+                </a:solidFill>
+                <a:latin typeface="Times New Roman" pitchFamily="18" charset="0"/>
+              </a:defRPr>
+            </a:lvl7pPr>
+            <a:lvl8pPr marL="3429000" indent="-228600" eaLnBrk="0" fontAlgn="base" hangingPunct="0">
+              <a:spcBef>
+                <a:spcPct val="0"/>
+              </a:spcBef>
+              <a:spcAft>
+                <a:spcPct val="0"/>
+              </a:spcAft>
+              <a:defRPr sz="2400">
+                <a:solidFill>
+                  <a:schemeClr val="tx1"/>
+                </a:solidFill>
+                <a:latin typeface="Times New Roman" pitchFamily="18" charset="0"/>
+              </a:defRPr>
+            </a:lvl8pPr>
+            <a:lvl9pPr marL="3886200" indent="-228600" eaLnBrk="0" fontAlgn="base" hangingPunct="0">
+              <a:spcBef>
+                <a:spcPct val="0"/>
+              </a:spcBef>
+              <a:spcAft>
+                <a:spcPct val="0"/>
+              </a:spcAft>
+              <a:defRPr sz="2400">
+                <a:solidFill>
+                  <a:schemeClr val="tx1"/>
+                </a:solidFill>
+                <a:latin typeface="Times New Roman" pitchFamily="18" charset="0"/>
+              </a:defRPr>
+            </a:lvl9pPr>
+          </a:lstStyle>
+          <a:p>
+            <a:pPr algn="just">
+              <a:lnSpc>
+                <a:spcPct val="150000"/>
+              </a:lnSpc>
+              <a:spcBef>
+                <a:spcPct val="50000"/>
+              </a:spcBef>
+            </a:pPr>
+            <a:r>
+              <a:rPr lang="es-MX" sz="2000" dirty="0">
+                <a:solidFill>
+                  <a:schemeClr val="bg2">
+                    <a:lumMod val="25000"/>
+                  </a:schemeClr>
+                </a:solidFill>
+                <a:latin typeface="+mn-lt"/>
+                <a:cs typeface="Arial" pitchFamily="34" charset="0"/>
+              </a:rPr>
+              <a:t>La solución: </a:t>
+            </a:r>
+            <a:r>
+              <a:rPr lang="es-MX" sz="2000" b="1" dirty="0">
+                <a:solidFill>
+                  <a:schemeClr val="accent6">
+                    <a:lumMod val="75000"/>
+                  </a:schemeClr>
+                </a:solidFill>
+                <a:latin typeface="+mn-lt"/>
+                <a:cs typeface="Arial" pitchFamily="34" charset="0"/>
+              </a:rPr>
+              <a:t>El modelo OSI</a:t>
+            </a:r>
+          </a:p>
+          <a:p>
+            <a:pPr algn="just">
+              <a:lnSpc>
+                <a:spcPct val="150000"/>
+              </a:lnSpc>
+              <a:spcBef>
+                <a:spcPct val="50000"/>
+              </a:spcBef>
+            </a:pPr>
+            <a:r>
+              <a:rPr lang="es-MX" sz="2000" dirty="0">
+                <a:solidFill>
+                  <a:schemeClr val="bg2">
+                    <a:lumMod val="25000"/>
+                  </a:schemeClr>
+                </a:solidFill>
+                <a:latin typeface="+mn-lt"/>
+                <a:cs typeface="Arial" pitchFamily="34" charset="0"/>
+              </a:rPr>
+              <a:t>La </a:t>
+            </a:r>
+            <a:r>
+              <a:rPr lang="es-MX" sz="2000" b="1" dirty="0">
+                <a:solidFill>
+                  <a:schemeClr val="bg2">
+                    <a:lumMod val="25000"/>
+                  </a:schemeClr>
+                </a:solidFill>
+                <a:latin typeface="+mn-lt"/>
+                <a:cs typeface="Arial" pitchFamily="34" charset="0"/>
+              </a:rPr>
+              <a:t>Organización Internacional para la Normalización (ISO) </a:t>
+            </a:r>
+            <a:r>
+              <a:rPr lang="es-MX" sz="2000" dirty="0">
+                <a:solidFill>
+                  <a:schemeClr val="bg2">
+                    <a:lumMod val="25000"/>
+                  </a:schemeClr>
+                </a:solidFill>
+                <a:latin typeface="+mn-lt"/>
+                <a:cs typeface="Arial" pitchFamily="34" charset="0"/>
+              </a:rPr>
+              <a:t>creó en 1984 el modelo de referencia OSI (Open </a:t>
+            </a:r>
+            <a:r>
+              <a:rPr lang="es-MX" sz="2000" dirty="0" err="1">
+                <a:solidFill>
+                  <a:schemeClr val="bg2">
+                    <a:lumMod val="25000"/>
+                  </a:schemeClr>
+                </a:solidFill>
+                <a:latin typeface="+mn-lt"/>
+                <a:cs typeface="Arial" pitchFamily="34" charset="0"/>
+              </a:rPr>
+              <a:t>System</a:t>
+            </a:r>
+            <a:r>
+              <a:rPr lang="es-MX" sz="2000" dirty="0">
+                <a:solidFill>
+                  <a:schemeClr val="bg2">
+                    <a:lumMod val="25000"/>
+                  </a:schemeClr>
+                </a:solidFill>
+                <a:latin typeface="+mn-lt"/>
+                <a:cs typeface="Arial" pitchFamily="34" charset="0"/>
+              </a:rPr>
+              <a:t> </a:t>
+            </a:r>
+            <a:r>
+              <a:rPr lang="es-MX" sz="2000" dirty="0" err="1">
+                <a:solidFill>
+                  <a:schemeClr val="bg2">
+                    <a:lumMod val="25000"/>
+                  </a:schemeClr>
+                </a:solidFill>
+                <a:latin typeface="+mn-lt"/>
+                <a:cs typeface="Arial" pitchFamily="34" charset="0"/>
+              </a:rPr>
+              <a:t>Interconnected</a:t>
+            </a:r>
+            <a:r>
+              <a:rPr lang="es-MX" sz="2000" dirty="0">
+                <a:solidFill>
+                  <a:schemeClr val="bg2">
+                    <a:lumMod val="25000"/>
+                  </a:schemeClr>
+                </a:solidFill>
+                <a:latin typeface="+mn-lt"/>
+                <a:cs typeface="Arial" pitchFamily="34" charset="0"/>
+              </a:rPr>
+              <a:t>)</a:t>
+            </a:r>
+          </a:p>
+        </p:txBody>
+      </p:sp>
+      <p:sp>
+        <p:nvSpPr>
+          <p:cNvPr id="7" name="Rectangle 2"/>
+          <p:cNvSpPr txBox="1">
+            <a:spLocks noChangeArrowheads="1"/>
+          </p:cNvSpPr>
+          <p:nvPr/>
+        </p:nvSpPr>
+        <p:spPr>
+          <a:xfrm>
+            <a:off x="72008" y="116632"/>
+            <a:ext cx="8964488" cy="1143000"/>
+          </a:xfrm>
+          <a:prstGeom prst="rect">
+            <a:avLst/>
+          </a:prstGeom>
+        </p:spPr>
+        <p:txBody>
+          <a:bodyPr vert="horz" lIns="92075" tIns="46038" rIns="92075" bIns="46038" rtlCol="0" anchor="ctr">
+            <a:noAutofit/>
+          </a:bodyPr>
+          <a:lstStyle>
+            <a:lvl1pPr algn="ctr" defTabSz="914400" rtl="0" eaLnBrk="1" latinLnBrk="0" hangingPunct="1">
+              <a:spcBef>
+                <a:spcPct val="0"/>
+              </a:spcBef>
+              <a:buNone/>
+              <a:defRPr sz="4400" kern="1200">
+                <a:solidFill>
+                  <a:schemeClr val="tx1"/>
+                </a:solidFill>
+                <a:latin typeface="+mj-lt"/>
+                <a:ea typeface="+mj-ea"/>
+                <a:cs typeface="+mj-cs"/>
+              </a:defRPr>
+            </a:lvl1pPr>
+          </a:lstStyle>
+          <a:p>
+            <a:pPr>
+              <a:defRPr/>
+            </a:pPr>
+            <a:r>
+              <a:rPr lang="es-ES_tradnl" sz="3600" dirty="0">
+                <a:solidFill>
+                  <a:srgbClr val="3333CC"/>
+                </a:solidFill>
+                <a:effectLst>
+                  <a:outerShdw blurRad="38100" dist="38100" dir="2700000" algn="tl">
+                    <a:srgbClr val="C0C0C0"/>
+                  </a:outerShdw>
+                </a:effectLst>
+                <a:latin typeface="Dom Casual" charset="0"/>
+              </a:rPr>
+              <a:t> </a:t>
+            </a:r>
+            <a:r>
+              <a:rPr lang="es-ES_tradnl" sz="3600" b="1" dirty="0">
+                <a:solidFill>
+                  <a:schemeClr val="accent4">
+                    <a:lumMod val="50000"/>
+                  </a:schemeClr>
+                </a:solidFill>
+                <a:effectLst>
+                  <a:outerShdw blurRad="38100" dist="38100" dir="2700000" algn="tl">
+                    <a:srgbClr val="C0C0C0"/>
+                  </a:outerShdw>
+                </a:effectLst>
+                <a:latin typeface="Dom Casual" charset="0"/>
+              </a:rPr>
+              <a:t>El Modelo OSI</a:t>
+            </a:r>
+          </a:p>
+        </p:txBody>
+      </p:sp>
+    </p:spTree>
+    <p:extLst>
+      <p:ext uri="{BB962C8B-B14F-4D97-AF65-F5344CB8AC3E}">
+        <p14:creationId xmlns:p14="http://schemas.microsoft.com/office/powerpoint/2010/main" val="976797607"/>
+      </p:ext>
+    </p:extLst>
+  </p:cSld>
+  <p:clrMapOvr>
+    <a:masterClrMapping/>
+  </p:clrMapOvr>
+  <p:timing>
+    <p:tnLst>
+      <p:par>
+        <p:cTn id="1" dur="indefinite" restart="never" nodeType="tmRoot">
+          <p:childTnLst>
+            <p:seq concurrent="1" nextAc="seek">
+              <p:cTn id="2" dur="indefinite" nodeType="mainSeq">
+                <p:childTnLst>
+                  <p:par>
+                    <p:cTn id="3" fill="hold" nodeType="clickPar">
+                      <p:stCondLst>
+                        <p:cond delay="indefinite"/>
+                      </p:stCondLst>
+                      <p:childTnLst>
+                        <p:par>
+                          <p:cTn id="4" fill="hold" nodeType="withGroup">
+                            <p:stCondLst>
+                              <p:cond delay="0"/>
+                            </p:stCondLst>
+                            <p:childTnLst>
+                              <p:par>
+                                <p:cTn id="5" presetID="1" presetClass="entr" presetSubtype="0" fill="hold" grpId="0" nodeType="clickEffect">
+                                  <p:stCondLst>
+                                    <p:cond delay="0"/>
+                                  </p:stCondLst>
+                                  <p:childTnLst>
+                                    <p:set>
+                                      <p:cBhvr>
+                                        <p:cTn id="6" dur="1" fill="hold">
+                                          <p:stCondLst>
+                                            <p:cond delay="0"/>
+                                          </p:stCondLst>
+                                        </p:cTn>
+                                        <p:tgtEl>
+                                          <p:spTgt spid="4101"/>
+                                        </p:tgtEl>
+                                        <p:attrNameLst>
+                                          <p:attrName>style.visibility</p:attrName>
+                                        </p:attrNameLst>
+                                      </p:cBhvr>
+                                      <p:to>
+                                        <p:strVal val="visible"/>
+                                      </p:to>
+                                    </p:set>
+                                  </p:childTnLst>
+                                </p:cTn>
+                              </p:par>
+                            </p:childTnLst>
+                          </p:cTn>
+                        </p:par>
+                      </p:childTnLst>
+                    </p:cTn>
+                  </p:par>
+                  <p:par>
+                    <p:cTn id="7" fill="hold">
+                      <p:stCondLst>
+                        <p:cond delay="indefinite"/>
+                      </p:stCondLst>
+                      <p:childTnLst>
+                        <p:par>
+                          <p:cTn id="8" fill="hold">
+                            <p:stCondLst>
+                              <p:cond delay="0"/>
+                            </p:stCondLst>
+                            <p:childTnLst>
+                              <p:par>
+                                <p:cTn id="9" presetID="4" presetClass="entr" presetSubtype="16" fill="hold" grpId="0" nodeType="clickEffect">
+                                  <p:stCondLst>
+                                    <p:cond delay="0"/>
+                                  </p:stCondLst>
+                                  <p:childTnLst>
+                                    <p:set>
+                                      <p:cBhvr>
+                                        <p:cTn id="10" dur="1" fill="hold">
+                                          <p:stCondLst>
+                                            <p:cond delay="0"/>
+                                          </p:stCondLst>
+                                        </p:cTn>
+                                        <p:tgtEl>
+                                          <p:spTgt spid="3076"/>
+                                        </p:tgtEl>
+                                        <p:attrNameLst>
+                                          <p:attrName>style.visibility</p:attrName>
+                                        </p:attrNameLst>
+                                      </p:cBhvr>
+                                      <p:to>
+                                        <p:strVal val="visible"/>
+                                      </p:to>
+                                    </p:set>
+                                    <p:animEffect transition="in" filter="box(in)">
+                                      <p:cBhvr>
+                                        <p:cTn id="11" dur="2000"/>
+                                        <p:tgtEl>
+                                          <p:spTgt spid="3076"/>
+                                        </p:tgtEl>
+                                      </p:cBhvr>
+                                    </p:animEffect>
+                                  </p:childTnLst>
+                                </p:cTn>
+                              </p:par>
+                            </p:childTnLst>
+                          </p:cTn>
+                        </p:par>
+                      </p:childTnLst>
+                    </p:cTn>
+                  </p:par>
+                  <p:par>
+                    <p:cTn id="12" fill="hold" nodeType="clickPar">
+                      <p:stCondLst>
+                        <p:cond delay="indefinite"/>
+                      </p:stCondLst>
+                      <p:childTnLst>
+                        <p:par>
+                          <p:cTn id="13" fill="hold" nodeType="withGroup">
+                            <p:stCondLst>
+                              <p:cond delay="0"/>
+                            </p:stCondLst>
+                            <p:childTnLst>
+                              <p:par>
+                                <p:cTn id="14" presetID="4" presetClass="entr" presetSubtype="16" fill="hold" grpId="0" nodeType="clickEffect">
+                                  <p:stCondLst>
+                                    <p:cond delay="0"/>
+                                  </p:stCondLst>
+                                  <p:childTnLst>
+                                    <p:set>
+                                      <p:cBhvr>
+                                        <p:cTn id="15" dur="1" fill="hold">
+                                          <p:stCondLst>
+                                            <p:cond delay="0"/>
+                                          </p:stCondLst>
+                                        </p:cTn>
+                                        <p:tgtEl>
+                                          <p:spTgt spid="6"/>
+                                        </p:tgtEl>
+                                        <p:attrNameLst>
+                                          <p:attrName>style.visibility</p:attrName>
+                                        </p:attrNameLst>
+                                      </p:cBhvr>
+                                      <p:to>
+                                        <p:strVal val="visible"/>
+                                      </p:to>
+                                    </p:set>
+                                    <p:animEffect transition="in" filter="box(in)">
+                                      <p:cBhvr>
+                                        <p:cTn id="16" dur="2000"/>
+                                        <p:tgtEl>
+                                          <p:spTgt spid="6"/>
+                                        </p:tgtEl>
+                                      </p:cBhvr>
+                                    </p:animEffect>
+                                  </p:childTnLst>
+                                </p:cTn>
+                              </p:par>
+                            </p:childTnLst>
+                          </p:cTn>
+                        </p:par>
+                      </p:childTnLst>
+                    </p:cTn>
+                  </p:par>
+                </p:childTnLst>
+              </p:cTn>
+              <p:prevCondLst>
+                <p:cond evt="onPrev" delay="0">
+                  <p:tgtEl>
+                    <p:sldTgt/>
+                  </p:tgtEl>
+                </p:cond>
+              </p:prevCondLst>
+              <p:nextCondLst>
+                <p:cond evt="onNext" delay="0">
+                  <p:tgtEl>
+                    <p:sldTgt/>
+                  </p:tgtEl>
+                </p:cond>
+              </p:nextCondLst>
+            </p:seq>
+          </p:childTnLst>
+        </p:cTn>
+      </p:par>
+    </p:tnLst>
+    <p:bldLst>
+      <p:bldP spid="3076" grpId="0"/>
+      <p:bldP spid="4101" grpId="0"/>
+      <p:bldP spid="6" grpId="0"/>
+    </p:bldLst>
+  </p:timing>
+</p:sld>
+</file>
+
+<file path=ppt/slides/slide30.xml><?xml version="1.0" encoding="utf-8"?>
 <p:sld xmlns:a="http://schemas.openxmlformats.org/drawingml/2006/main" xmlns:r="http://schemas.openxmlformats.org/officeDocument/2006/relationships" xmlns:p="http://schemas.openxmlformats.org/presentationml/2006/main">
   <p:cSld>
     <p:spTree>
